--- a/05_Classification/05_Classification.pptx
+++ b/05_Classification/05_Classification.pptx
@@ -144,7 +144,7 @@
   </p:defaultTextStyle>
   <p:extLst>
     <p:ext uri="{EFAFB233-063F-42B5-8137-9DF3F51BA10A}">
-      <p15:sldGuideLst xmlns:p15="http://schemas.microsoft.com/office/powerpoint/2012/main">
+      <p15:sldGuideLst xmlns="" xmlns:p15="http://schemas.microsoft.com/office/powerpoint/2012/main">
         <p15:guide id="1" orient="horz" pos="2160">
           <p15:clr>
             <a:srgbClr val="A4A3A4"/>
@@ -243,7 +243,7 @@
           <a:p>
             <a:fld id="{05BF5AB9-3463-4E65-AFD3-5431B79ADFDC}" type="datetimeFigureOut">
               <a:rPr lang="zh-TW" altLang="en-US" smtClean="0"/>
-              <a:t>2020/5/7</a:t>
+              <a:t>2021/7/20</a:t>
             </a:fld>
             <a:endParaRPr lang="zh-TW" altLang="en-US"/>
           </a:p>
@@ -408,7 +408,7 @@
           <a:p>
             <a:fld id="{838FF680-7B6B-4655-B6A1-33A8AD0AE8B4}" type="datetimeFigureOut">
               <a:rPr lang="zh-TW" altLang="en-US" smtClean="0"/>
-              <a:t>2020/5/7</a:t>
+              <a:t>2021/7/20</a:t>
             </a:fld>
             <a:endParaRPr lang="zh-TW" altLang="en-US"/>
           </a:p>
@@ -3045,7 +3045,7 @@
   </p:clrMapOvr>
   <p:extLst mod="1">
     <p:ext uri="{DCECCB84-F9BA-43D5-87BE-67443E8EF086}">
-      <p15:sldGuideLst xmlns:p15="http://schemas.microsoft.com/office/powerpoint/2012/main">
+      <p15:sldGuideLst xmlns="" xmlns:p15="http://schemas.microsoft.com/office/powerpoint/2012/main">
         <p15:guide id="1" orient="horz" pos="2160">
           <p15:clr>
             <a:srgbClr val="FBAE40"/>
@@ -5297,7 +5297,7 @@
           <p:cNvPr id="3" name="投影片編號版面配置區 2">
             <a:extLst>
               <a:ext uri="{FF2B5EF4-FFF2-40B4-BE49-F238E27FC236}">
-                <a16:creationId xmlns:a16="http://schemas.microsoft.com/office/drawing/2014/main" id="{8231DC78-FFF5-4654-99B1-0E9EE9BCA949}"/>
+                <a16:creationId xmlns="" xmlns:a16="http://schemas.microsoft.com/office/drawing/2014/main" id="{8231DC78-FFF5-4654-99B1-0E9EE9BCA949}"/>
               </a:ext>
             </a:extLst>
           </p:cNvPr>
@@ -5327,7 +5327,7 @@
           <p:cNvPr id="4" name="標題 3">
             <a:extLst>
               <a:ext uri="{FF2B5EF4-FFF2-40B4-BE49-F238E27FC236}">
-                <a16:creationId xmlns:a16="http://schemas.microsoft.com/office/drawing/2014/main" id="{5458068B-826D-4AD3-8E24-32C805D56D98}"/>
+                <a16:creationId xmlns="" xmlns:a16="http://schemas.microsoft.com/office/drawing/2014/main" id="{5458068B-826D-4AD3-8E24-32C805D56D98}"/>
               </a:ext>
             </a:extLst>
           </p:cNvPr>
@@ -5364,7 +5364,7 @@
           <p:cNvPr id="6" name="內容版面配置區 5">
             <a:extLst>
               <a:ext uri="{FF2B5EF4-FFF2-40B4-BE49-F238E27FC236}">
-                <a16:creationId xmlns:a16="http://schemas.microsoft.com/office/drawing/2014/main" id="{D8FB4135-163C-4C80-A8A4-8A9B331AC302}"/>
+                <a16:creationId xmlns="" xmlns:a16="http://schemas.microsoft.com/office/drawing/2014/main" id="{D8FB4135-163C-4C80-A8A4-8A9B331AC302}"/>
               </a:ext>
             </a:extLst>
           </p:cNvPr>
@@ -5736,7 +5736,7 @@
           <p:cNvPr id="7" name="圖片 6">
             <a:extLst>
               <a:ext uri="{FF2B5EF4-FFF2-40B4-BE49-F238E27FC236}">
-                <a16:creationId xmlns:a16="http://schemas.microsoft.com/office/drawing/2014/main" id="{7BBC3DE5-5C90-458B-AE1F-B52A952645E4}"/>
+                <a16:creationId xmlns="" xmlns:a16="http://schemas.microsoft.com/office/drawing/2014/main" id="{7BBC3DE5-5C90-458B-AE1F-B52A952645E4}"/>
               </a:ext>
             </a:extLst>
           </p:cNvPr>
@@ -5796,7 +5796,7 @@
           <p:cNvPr id="2" name="內容版面配置區 1">
             <a:extLst>
               <a:ext uri="{FF2B5EF4-FFF2-40B4-BE49-F238E27FC236}">
-                <a16:creationId xmlns:a16="http://schemas.microsoft.com/office/drawing/2014/main" id="{0BDDE3E2-F2CD-4F39-8C04-546E1C9EF54D}"/>
+                <a16:creationId xmlns="" xmlns:a16="http://schemas.microsoft.com/office/drawing/2014/main" id="{0BDDE3E2-F2CD-4F39-8C04-546E1C9EF54D}"/>
               </a:ext>
             </a:extLst>
           </p:cNvPr>
@@ -5889,7 +5889,7 @@
           <p:cNvPr id="3" name="投影片編號版面配置區 2">
             <a:extLst>
               <a:ext uri="{FF2B5EF4-FFF2-40B4-BE49-F238E27FC236}">
-                <a16:creationId xmlns:a16="http://schemas.microsoft.com/office/drawing/2014/main" id="{AE33717A-5BEB-48DD-A3A3-8055CB5AFA9C}"/>
+                <a16:creationId xmlns="" xmlns:a16="http://schemas.microsoft.com/office/drawing/2014/main" id="{AE33717A-5BEB-48DD-A3A3-8055CB5AFA9C}"/>
               </a:ext>
             </a:extLst>
           </p:cNvPr>
@@ -5919,7 +5919,7 @@
           <p:cNvPr id="4" name="標題 3">
             <a:extLst>
               <a:ext uri="{FF2B5EF4-FFF2-40B4-BE49-F238E27FC236}">
-                <a16:creationId xmlns:a16="http://schemas.microsoft.com/office/drawing/2014/main" id="{B1A3A653-08B0-4E0B-9137-B83D55FE0704}"/>
+                <a16:creationId xmlns="" xmlns:a16="http://schemas.microsoft.com/office/drawing/2014/main" id="{B1A3A653-08B0-4E0B-9137-B83D55FE0704}"/>
               </a:ext>
             </a:extLst>
           </p:cNvPr>
@@ -5956,7 +5956,7 @@
           <p:cNvPr id="5" name="圖片 4">
             <a:extLst>
               <a:ext uri="{FF2B5EF4-FFF2-40B4-BE49-F238E27FC236}">
-                <a16:creationId xmlns:a16="http://schemas.microsoft.com/office/drawing/2014/main" id="{A695F9B1-CF74-4AD9-A60E-AB65DE8401F6}"/>
+                <a16:creationId xmlns="" xmlns:a16="http://schemas.microsoft.com/office/drawing/2014/main" id="{A695F9B1-CF74-4AD9-A60E-AB65DE8401F6}"/>
               </a:ext>
             </a:extLst>
           </p:cNvPr>
@@ -6016,7 +6016,7 @@
           <p:cNvPr id="2" name="內容版面配置區 1">
             <a:extLst>
               <a:ext uri="{FF2B5EF4-FFF2-40B4-BE49-F238E27FC236}">
-                <a16:creationId xmlns:a16="http://schemas.microsoft.com/office/drawing/2014/main" id="{28D5E1A9-F0F1-4385-BFFF-BBDF9069B769}"/>
+                <a16:creationId xmlns="" xmlns:a16="http://schemas.microsoft.com/office/drawing/2014/main" id="{28D5E1A9-F0F1-4385-BFFF-BBDF9069B769}"/>
               </a:ext>
             </a:extLst>
           </p:cNvPr>
@@ -6067,7 +6067,7 @@
           <p:cNvPr id="3" name="投影片編號版面配置區 2">
             <a:extLst>
               <a:ext uri="{FF2B5EF4-FFF2-40B4-BE49-F238E27FC236}">
-                <a16:creationId xmlns:a16="http://schemas.microsoft.com/office/drawing/2014/main" id="{85B3E8BF-29B0-42D0-A14D-E1A76765B9E1}"/>
+                <a16:creationId xmlns="" xmlns:a16="http://schemas.microsoft.com/office/drawing/2014/main" id="{85B3E8BF-29B0-42D0-A14D-E1A76765B9E1}"/>
               </a:ext>
             </a:extLst>
           </p:cNvPr>
@@ -6097,7 +6097,7 @@
           <p:cNvPr id="4" name="標題 3">
             <a:extLst>
               <a:ext uri="{FF2B5EF4-FFF2-40B4-BE49-F238E27FC236}">
-                <a16:creationId xmlns:a16="http://schemas.microsoft.com/office/drawing/2014/main" id="{7D50CB8A-D95E-49A5-A84F-B99D64779EFE}"/>
+                <a16:creationId xmlns="" xmlns:a16="http://schemas.microsoft.com/office/drawing/2014/main" id="{7D50CB8A-D95E-49A5-A84F-B99D64779EFE}"/>
               </a:ext>
             </a:extLst>
           </p:cNvPr>
@@ -6134,7 +6134,7 @@
           <p:cNvPr id="6146" name="Picture 2">
             <a:extLst>
               <a:ext uri="{FF2B5EF4-FFF2-40B4-BE49-F238E27FC236}">
-                <a16:creationId xmlns:a16="http://schemas.microsoft.com/office/drawing/2014/main" id="{D82458FE-37F2-4341-93AB-0ECE2803EA1A}"/>
+                <a16:creationId xmlns="" xmlns:a16="http://schemas.microsoft.com/office/drawing/2014/main" id="{D82458FE-37F2-4341-93AB-0ECE2803EA1A}"/>
               </a:ext>
             </a:extLst>
           </p:cNvPr>
@@ -6181,7 +6181,7 @@
           <p:cNvPr id="6148" name="Picture 4">
             <a:extLst>
               <a:ext uri="{FF2B5EF4-FFF2-40B4-BE49-F238E27FC236}">
-                <a16:creationId xmlns:a16="http://schemas.microsoft.com/office/drawing/2014/main" id="{2B37326B-E76B-4FA6-977A-B4D268B29DD4}"/>
+                <a16:creationId xmlns="" xmlns:a16="http://schemas.microsoft.com/office/drawing/2014/main" id="{2B37326B-E76B-4FA6-977A-B4D268B29DD4}"/>
               </a:ext>
             </a:extLst>
           </p:cNvPr>
@@ -6228,7 +6228,7 @@
           <p:cNvPr id="6" name="圖片 5">
             <a:extLst>
               <a:ext uri="{FF2B5EF4-FFF2-40B4-BE49-F238E27FC236}">
-                <a16:creationId xmlns:a16="http://schemas.microsoft.com/office/drawing/2014/main" id="{C9088C41-9360-4861-B546-22FE744DA669}"/>
+                <a16:creationId xmlns="" xmlns:a16="http://schemas.microsoft.com/office/drawing/2014/main" id="{C9088C41-9360-4861-B546-22FE744DA669}"/>
               </a:ext>
             </a:extLst>
           </p:cNvPr>
@@ -6283,14 +6283,14 @@
           <a:chExt cx="0" cy="0"/>
         </a:xfrm>
       </p:grpSpPr>
-      <mc:AlternateContent xmlns:mc="http://schemas.openxmlformats.org/markup-compatibility/2006">
-        <mc:Choice xmlns:a14="http://schemas.microsoft.com/office/drawing/2010/main" Requires="a14">
+      <mc:AlternateContent xmlns:mc="http://schemas.openxmlformats.org/markup-compatibility/2006" xmlns:a14="http://schemas.microsoft.com/office/drawing/2010/main">
+        <mc:Choice Requires="a14">
           <p:sp>
             <p:nvSpPr>
               <p:cNvPr id="2" name="內容版面配置區 1">
                 <a:extLst>
                   <a:ext uri="{FF2B5EF4-FFF2-40B4-BE49-F238E27FC236}">
-                    <a16:creationId xmlns:a16="http://schemas.microsoft.com/office/drawing/2014/main" id="{14B32A42-AB69-41C9-8880-B7C5D10A4623}"/>
+                    <a16:creationId xmlns="" xmlns:a16="http://schemas.microsoft.com/office/drawing/2014/main" id="{14B32A42-AB69-41C9-8880-B7C5D10A4623}"/>
                   </a:ext>
                 </a:extLst>
               </p:cNvPr>
@@ -6334,7 +6334,7 @@
                         <m:degHide m:val="on"/>
                         <m:ctrlPr>
                           <a:rPr lang="en-US" i="1" smtClean="0">
-                            <a:latin typeface="Cambria Math" panose="02040503050406030204" pitchFamily="18" charset="0"/>
+                            <a:latin typeface="Cambria Math"/>
                           </a:rPr>
                         </m:ctrlPr>
                       </m:radPr>
@@ -6344,7 +6344,7 @@
                           <m:fPr>
                             <m:ctrlPr>
                               <a:rPr lang="en-US" i="1" smtClean="0">
-                                <a:latin typeface="Cambria Math" panose="02040503050406030204" pitchFamily="18" charset="0"/>
+                                <a:latin typeface="Cambria Math"/>
                               </a:rPr>
                             </m:ctrlPr>
                           </m:fPr>
@@ -6370,7 +6370,7 @@
                             <m:chr m:val="∑"/>
                             <m:ctrlPr>
                               <a:rPr lang="en-US" i="1" smtClean="0">
-                                <a:latin typeface="Cambria Math" panose="02040503050406030204" pitchFamily="18" charset="0"/>
+                                <a:latin typeface="Cambria Math"/>
                               </a:rPr>
                             </m:ctrlPr>
                           </m:naryPr>
@@ -6404,7 +6404,7 @@
                               <m:sSupPr>
                                 <m:ctrlPr>
                                   <a:rPr lang="en-US" i="1" smtClean="0">
-                                    <a:latin typeface="Cambria Math" panose="02040503050406030204" pitchFamily="18" charset="0"/>
+                                    <a:latin typeface="Cambria Math"/>
                                   </a:rPr>
                                 </m:ctrlPr>
                               </m:sSupPr>
@@ -6419,7 +6419,7 @@
                                   <m:sSubPr>
                                     <m:ctrlPr>
                                       <a:rPr lang="en-US" i="1">
-                                        <a:latin typeface="Cambria Math" panose="02040503050406030204" pitchFamily="18" charset="0"/>
+                                        <a:latin typeface="Cambria Math"/>
                                       </a:rPr>
                                     </m:ctrlPr>
                                   </m:sSubPr>
@@ -6451,7 +6451,7 @@
                                     <m:chr m:val="̂"/>
                                     <m:ctrlPr>
                                       <a:rPr lang="en-US" i="1">
-                                        <a:latin typeface="Cambria Math" panose="02040503050406030204" pitchFamily="18" charset="0"/>
+                                        <a:latin typeface="Cambria Math"/>
                                       </a:rPr>
                                     </m:ctrlPr>
                                   </m:accPr>
@@ -6460,7 +6460,7 @@
                                       <m:sSubPr>
                                         <m:ctrlPr>
                                           <a:rPr lang="en-US" i="1" smtClean="0">
-                                            <a:latin typeface="Cambria Math" panose="02040503050406030204" pitchFamily="18" charset="0"/>
+                                            <a:latin typeface="Cambria Math"/>
                                           </a:rPr>
                                         </m:ctrlPr>
                                       </m:sSubPr>
@@ -6505,6 +6505,10 @@
                     </m:rad>
                   </m:oMath>
                 </a14:m>
+                <a:r>
+                  <a:rPr lang="en-US" dirty="0"/>
+                  <a:t/>
+                </a:r>
                 <a:br>
                   <a:rPr lang="en-US" dirty="0"/>
                 </a:br>
@@ -6561,7 +6565,7 @@
                       <m:fPr>
                         <m:ctrlPr>
                           <a:rPr lang="en-US" i="1">
-                            <a:latin typeface="Cambria Math" panose="02040503050406030204" pitchFamily="18" charset="0"/>
+                            <a:latin typeface="Cambria Math"/>
                           </a:rPr>
                         </m:ctrlPr>
                       </m:fPr>
@@ -6587,7 +6591,7 @@
                         <m:chr m:val="∑"/>
                         <m:ctrlPr>
                           <a:rPr lang="en-US" i="1" smtClean="0">
-                            <a:latin typeface="Cambria Math" panose="02040503050406030204" pitchFamily="18" charset="0"/>
+                            <a:latin typeface="Cambria Math"/>
                           </a:rPr>
                         </m:ctrlPr>
                       </m:naryPr>
@@ -6615,19 +6619,13 @@
                           <a:rPr lang="en-US" i="1">
                             <a:latin typeface="Cambria Math" panose="02040503050406030204" pitchFamily="18" charset="0"/>
                           </a:rPr>
-                          <m:t>−</m:t>
-                        </m:r>
-                        <m:r>
-                          <a:rPr lang="en-US" i="1">
-                            <a:latin typeface="Cambria Math" panose="02040503050406030204" pitchFamily="18" charset="0"/>
-                          </a:rPr>
-                          <m:t>(</m:t>
+                          <m:t>−(</m:t>
                         </m:r>
                         <m:sSub>
                           <m:sSubPr>
                             <m:ctrlPr>
                               <a:rPr lang="en-US" i="1">
-                                <a:latin typeface="Cambria Math" panose="02040503050406030204" pitchFamily="18" charset="0"/>
+                                <a:latin typeface="Cambria Math"/>
                               </a:rPr>
                             </m:ctrlPr>
                           </m:sSubPr>
@@ -6658,7 +6656,7 @@
                           <m:dPr>
                             <m:ctrlPr>
                               <a:rPr lang="en-US" b="0" i="1" smtClean="0">
-                                <a:latin typeface="Cambria Math" panose="02040503050406030204" pitchFamily="18" charset="0"/>
+                                <a:latin typeface="Cambria Math"/>
                               </a:rPr>
                             </m:ctrlPr>
                           </m:dPr>
@@ -6668,7 +6666,7 @@
                                 <m:chr m:val="̂"/>
                                 <m:ctrlPr>
                                   <a:rPr lang="en-US" i="1">
-                                    <a:latin typeface="Cambria Math" panose="02040503050406030204" pitchFamily="18" charset="0"/>
+                                    <a:latin typeface="Cambria Math"/>
                                   </a:rPr>
                                 </m:ctrlPr>
                               </m:accPr>
@@ -6677,7 +6675,7 @@
                                   <m:sSubPr>
                                     <m:ctrlPr>
                                       <a:rPr lang="en-US" i="1">
-                                        <a:latin typeface="Cambria Math" panose="02040503050406030204" pitchFamily="18" charset="0"/>
+                                        <a:latin typeface="Cambria Math"/>
                                       </a:rPr>
                                     </m:ctrlPr>
                                   </m:sSubPr>
@@ -6712,7 +6710,7 @@
                           <m:dPr>
                             <m:ctrlPr>
                               <a:rPr lang="en-US" b="0" i="1" smtClean="0">
-                                <a:latin typeface="Cambria Math" panose="02040503050406030204" pitchFamily="18" charset="0"/>
+                                <a:latin typeface="Cambria Math"/>
                               </a:rPr>
                             </m:ctrlPr>
                           </m:dPr>
@@ -6727,7 +6725,7 @@
                               <m:sSubPr>
                                 <m:ctrlPr>
                                   <a:rPr lang="en-US" i="1">
-                                    <a:latin typeface="Cambria Math" panose="02040503050406030204" pitchFamily="18" charset="0"/>
+                                    <a:latin typeface="Cambria Math"/>
                                   </a:rPr>
                                 </m:ctrlPr>
                               </m:sSubPr>
@@ -6770,7 +6768,7 @@
                             <m:chr m:val="̂"/>
                             <m:ctrlPr>
                               <a:rPr lang="en-US" i="1">
-                                <a:latin typeface="Cambria Math" panose="02040503050406030204" pitchFamily="18" charset="0"/>
+                                <a:latin typeface="Cambria Math"/>
                               </a:rPr>
                             </m:ctrlPr>
                           </m:accPr>
@@ -6779,7 +6777,7 @@
                               <m:sSubPr>
                                 <m:ctrlPr>
                                   <a:rPr lang="en-US" i="1">
-                                    <a:latin typeface="Cambria Math" panose="02040503050406030204" pitchFamily="18" charset="0"/>
+                                    <a:latin typeface="Cambria Math"/>
                                   </a:rPr>
                                 </m:ctrlPr>
                               </m:sSubPr>
@@ -6818,6 +6816,10 @@
                     </m:nary>
                   </m:oMath>
                 </a14:m>
+                <a:r>
+                  <a:rPr lang="en-US" dirty="0"/>
+                  <a:t/>
+                </a:r>
                 <a:br>
                   <a:rPr lang="en-US" dirty="0"/>
                 </a:br>
@@ -6826,7 +6828,7 @@
             </p:txBody>
           </p:sp>
         </mc:Choice>
-        <mc:Fallback>
+        <mc:Fallback xmlns="">
           <p:sp>
             <p:nvSpPr>
               <p:cNvPr id="2" name="內容版面配置區 1">
@@ -6871,7 +6873,7 @@
           <p:cNvPr id="3" name="投影片編號版面配置區 2">
             <a:extLst>
               <a:ext uri="{FF2B5EF4-FFF2-40B4-BE49-F238E27FC236}">
-                <a16:creationId xmlns:a16="http://schemas.microsoft.com/office/drawing/2014/main" id="{EFC3FFC9-EBCD-4F28-806B-00B60B845E7F}"/>
+                <a16:creationId xmlns="" xmlns:a16="http://schemas.microsoft.com/office/drawing/2014/main" id="{EFC3FFC9-EBCD-4F28-806B-00B60B845E7F}"/>
               </a:ext>
             </a:extLst>
           </p:cNvPr>
@@ -6901,7 +6903,7 @@
           <p:cNvPr id="4" name="標題 3">
             <a:extLst>
               <a:ext uri="{FF2B5EF4-FFF2-40B4-BE49-F238E27FC236}">
-                <a16:creationId xmlns:a16="http://schemas.microsoft.com/office/drawing/2014/main" id="{6084351A-621E-4896-91C3-7421D88FE65E}"/>
+                <a16:creationId xmlns="" xmlns:a16="http://schemas.microsoft.com/office/drawing/2014/main" id="{6084351A-621E-4896-91C3-7421D88FE65E}"/>
               </a:ext>
             </a:extLst>
           </p:cNvPr>
@@ -6938,7 +6940,7 @@
           <p:cNvPr id="7" name="圖片 6">
             <a:extLst>
               <a:ext uri="{FF2B5EF4-FFF2-40B4-BE49-F238E27FC236}">
-                <a16:creationId xmlns:a16="http://schemas.microsoft.com/office/drawing/2014/main" id="{B704A983-1833-46A1-BF89-30BA2A7BDBB9}"/>
+                <a16:creationId xmlns="" xmlns:a16="http://schemas.microsoft.com/office/drawing/2014/main" id="{B704A983-1833-46A1-BF89-30BA2A7BDBB9}"/>
               </a:ext>
             </a:extLst>
           </p:cNvPr>
@@ -6974,7 +6976,7 @@
           <p:cNvPr id="8" name="圖片 7">
             <a:extLst>
               <a:ext uri="{FF2B5EF4-FFF2-40B4-BE49-F238E27FC236}">
-                <a16:creationId xmlns:a16="http://schemas.microsoft.com/office/drawing/2014/main" id="{F85A36B9-79D6-4B9D-9558-B1E08F31D409}"/>
+                <a16:creationId xmlns="" xmlns:a16="http://schemas.microsoft.com/office/drawing/2014/main" id="{F85A36B9-79D6-4B9D-9558-B1E08F31D409}"/>
               </a:ext>
             </a:extLst>
           </p:cNvPr>
@@ -7040,7 +7042,7 @@
           <p:cNvPr id="2" name="內容版面配置區 1">
             <a:extLst>
               <a:ext uri="{FF2B5EF4-FFF2-40B4-BE49-F238E27FC236}">
-                <a16:creationId xmlns:a16="http://schemas.microsoft.com/office/drawing/2014/main" id="{14B32A42-AB69-41C9-8880-B7C5D10A4623}"/>
+                <a16:creationId xmlns="" xmlns:a16="http://schemas.microsoft.com/office/drawing/2014/main" id="{14B32A42-AB69-41C9-8880-B7C5D10A4623}"/>
               </a:ext>
             </a:extLst>
           </p:cNvPr>
@@ -7120,7 +7122,7 @@
           <p:cNvPr id="3" name="投影片編號版面配置區 2">
             <a:extLst>
               <a:ext uri="{FF2B5EF4-FFF2-40B4-BE49-F238E27FC236}">
-                <a16:creationId xmlns:a16="http://schemas.microsoft.com/office/drawing/2014/main" id="{EFC3FFC9-EBCD-4F28-806B-00B60B845E7F}"/>
+                <a16:creationId xmlns="" xmlns:a16="http://schemas.microsoft.com/office/drawing/2014/main" id="{EFC3FFC9-EBCD-4F28-806B-00B60B845E7F}"/>
               </a:ext>
             </a:extLst>
           </p:cNvPr>
@@ -7150,7 +7152,7 @@
           <p:cNvPr id="4" name="標題 3">
             <a:extLst>
               <a:ext uri="{FF2B5EF4-FFF2-40B4-BE49-F238E27FC236}">
-                <a16:creationId xmlns:a16="http://schemas.microsoft.com/office/drawing/2014/main" id="{6084351A-621E-4896-91C3-7421D88FE65E}"/>
+                <a16:creationId xmlns="" xmlns:a16="http://schemas.microsoft.com/office/drawing/2014/main" id="{6084351A-621E-4896-91C3-7421D88FE65E}"/>
               </a:ext>
             </a:extLst>
           </p:cNvPr>
@@ -7187,7 +7189,7 @@
           <p:cNvPr id="9" name="圖片 8">
             <a:extLst>
               <a:ext uri="{FF2B5EF4-FFF2-40B4-BE49-F238E27FC236}">
-                <a16:creationId xmlns:a16="http://schemas.microsoft.com/office/drawing/2014/main" id="{7D678CD3-DD47-4E42-86D3-1893BC3A14D9}"/>
+                <a16:creationId xmlns="" xmlns:a16="http://schemas.microsoft.com/office/drawing/2014/main" id="{7D678CD3-DD47-4E42-86D3-1893BC3A14D9}"/>
               </a:ext>
             </a:extLst>
           </p:cNvPr>
@@ -7217,7 +7219,7 @@
           <p:cNvPr id="10" name="圖片 9">
             <a:extLst>
               <a:ext uri="{FF2B5EF4-FFF2-40B4-BE49-F238E27FC236}">
-                <a16:creationId xmlns:a16="http://schemas.microsoft.com/office/drawing/2014/main" id="{7E78148E-9678-4DF6-9270-5AA3067E830E}"/>
+                <a16:creationId xmlns="" xmlns:a16="http://schemas.microsoft.com/office/drawing/2014/main" id="{7E78148E-9678-4DF6-9270-5AA3067E830E}"/>
               </a:ext>
             </a:extLst>
           </p:cNvPr>
@@ -7247,7 +7249,7 @@
           <p:cNvPr id="11" name="圖片 10">
             <a:extLst>
               <a:ext uri="{FF2B5EF4-FFF2-40B4-BE49-F238E27FC236}">
-                <a16:creationId xmlns:a16="http://schemas.microsoft.com/office/drawing/2014/main" id="{D3B504E7-9E18-4E54-97B5-7C1FEC6F0613}"/>
+                <a16:creationId xmlns="" xmlns:a16="http://schemas.microsoft.com/office/drawing/2014/main" id="{D3B504E7-9E18-4E54-97B5-7C1FEC6F0613}"/>
               </a:ext>
             </a:extLst>
           </p:cNvPr>
@@ -7307,7 +7309,7 @@
           <p:cNvPr id="2" name="內容版面配置區 1">
             <a:extLst>
               <a:ext uri="{FF2B5EF4-FFF2-40B4-BE49-F238E27FC236}">
-                <a16:creationId xmlns:a16="http://schemas.microsoft.com/office/drawing/2014/main" id="{14B32A42-AB69-41C9-8880-B7C5D10A4623}"/>
+                <a16:creationId xmlns="" xmlns:a16="http://schemas.microsoft.com/office/drawing/2014/main" id="{14B32A42-AB69-41C9-8880-B7C5D10A4623}"/>
               </a:ext>
             </a:extLst>
           </p:cNvPr>
@@ -7352,7 +7354,7 @@
           <p:cNvPr id="3" name="投影片編號版面配置區 2">
             <a:extLst>
               <a:ext uri="{FF2B5EF4-FFF2-40B4-BE49-F238E27FC236}">
-                <a16:creationId xmlns:a16="http://schemas.microsoft.com/office/drawing/2014/main" id="{EFC3FFC9-EBCD-4F28-806B-00B60B845E7F}"/>
+                <a16:creationId xmlns="" xmlns:a16="http://schemas.microsoft.com/office/drawing/2014/main" id="{EFC3FFC9-EBCD-4F28-806B-00B60B845E7F}"/>
               </a:ext>
             </a:extLst>
           </p:cNvPr>
@@ -7382,7 +7384,7 @@
           <p:cNvPr id="4" name="標題 3">
             <a:extLst>
               <a:ext uri="{FF2B5EF4-FFF2-40B4-BE49-F238E27FC236}">
-                <a16:creationId xmlns:a16="http://schemas.microsoft.com/office/drawing/2014/main" id="{6084351A-621E-4896-91C3-7421D88FE65E}"/>
+                <a16:creationId xmlns="" xmlns:a16="http://schemas.microsoft.com/office/drawing/2014/main" id="{6084351A-621E-4896-91C3-7421D88FE65E}"/>
               </a:ext>
             </a:extLst>
           </p:cNvPr>
@@ -7419,7 +7421,7 @@
           <p:cNvPr id="6" name="圖片 5">
             <a:extLst>
               <a:ext uri="{FF2B5EF4-FFF2-40B4-BE49-F238E27FC236}">
-                <a16:creationId xmlns:a16="http://schemas.microsoft.com/office/drawing/2014/main" id="{24221BB1-0E18-46A9-A14A-707117FA01F5}"/>
+                <a16:creationId xmlns="" xmlns:a16="http://schemas.microsoft.com/office/drawing/2014/main" id="{24221BB1-0E18-46A9-A14A-707117FA01F5}"/>
               </a:ext>
             </a:extLst>
           </p:cNvPr>
@@ -7485,7 +7487,7 @@
           <p:cNvPr id="2" name="內容版面配置區 1">
             <a:extLst>
               <a:ext uri="{FF2B5EF4-FFF2-40B4-BE49-F238E27FC236}">
-                <a16:creationId xmlns:a16="http://schemas.microsoft.com/office/drawing/2014/main" id="{4411C0A5-001C-4150-864D-22F0D85F2741}"/>
+                <a16:creationId xmlns="" xmlns:a16="http://schemas.microsoft.com/office/drawing/2014/main" id="{4411C0A5-001C-4150-864D-22F0D85F2741}"/>
               </a:ext>
             </a:extLst>
           </p:cNvPr>
@@ -7534,7 +7536,7 @@
           <p:cNvPr id="3" name="投影片編號版面配置區 2">
             <a:extLst>
               <a:ext uri="{FF2B5EF4-FFF2-40B4-BE49-F238E27FC236}">
-                <a16:creationId xmlns:a16="http://schemas.microsoft.com/office/drawing/2014/main" id="{3EA46047-450E-4A74-BA64-78C769046FFA}"/>
+                <a16:creationId xmlns="" xmlns:a16="http://schemas.microsoft.com/office/drawing/2014/main" id="{3EA46047-450E-4A74-BA64-78C769046FFA}"/>
               </a:ext>
             </a:extLst>
           </p:cNvPr>
@@ -7564,7 +7566,7 @@
           <p:cNvPr id="4" name="標題 3">
             <a:extLst>
               <a:ext uri="{FF2B5EF4-FFF2-40B4-BE49-F238E27FC236}">
-                <a16:creationId xmlns:a16="http://schemas.microsoft.com/office/drawing/2014/main" id="{2A903A7D-5ABD-4BCF-94BD-7C69E577E410}"/>
+                <a16:creationId xmlns="" xmlns:a16="http://schemas.microsoft.com/office/drawing/2014/main" id="{2A903A7D-5ABD-4BCF-94BD-7C69E577E410}"/>
               </a:ext>
             </a:extLst>
           </p:cNvPr>
@@ -7601,7 +7603,7 @@
           <p:cNvPr id="5" name="圖片 4">
             <a:extLst>
               <a:ext uri="{FF2B5EF4-FFF2-40B4-BE49-F238E27FC236}">
-                <a16:creationId xmlns:a16="http://schemas.microsoft.com/office/drawing/2014/main" id="{601524D4-743A-4A2B-9575-C49A7920F6DF}"/>
+                <a16:creationId xmlns="" xmlns:a16="http://schemas.microsoft.com/office/drawing/2014/main" id="{601524D4-743A-4A2B-9575-C49A7920F6DF}"/>
               </a:ext>
             </a:extLst>
           </p:cNvPr>
@@ -7631,7 +7633,7 @@
           <p:cNvPr id="8194" name="Picture 2">
             <a:extLst>
               <a:ext uri="{FF2B5EF4-FFF2-40B4-BE49-F238E27FC236}">
-                <a16:creationId xmlns:a16="http://schemas.microsoft.com/office/drawing/2014/main" id="{C5856A32-69D5-4C9B-B463-DAC01DE8D51E}"/>
+                <a16:creationId xmlns="" xmlns:a16="http://schemas.microsoft.com/office/drawing/2014/main" id="{C5856A32-69D5-4C9B-B463-DAC01DE8D51E}"/>
               </a:ext>
             </a:extLst>
           </p:cNvPr>
@@ -7678,7 +7680,7 @@
           <p:cNvPr id="8196" name="Picture 4">
             <a:extLst>
               <a:ext uri="{FF2B5EF4-FFF2-40B4-BE49-F238E27FC236}">
-                <a16:creationId xmlns:a16="http://schemas.microsoft.com/office/drawing/2014/main" id="{0DDAEC9F-5A6D-4F80-A219-6F42FC3BDB34}"/>
+                <a16:creationId xmlns="" xmlns:a16="http://schemas.microsoft.com/office/drawing/2014/main" id="{0DDAEC9F-5A6D-4F80-A219-6F42FC3BDB34}"/>
               </a:ext>
             </a:extLst>
           </p:cNvPr>
@@ -7755,7 +7757,7 @@
           <p:cNvPr id="7" name="內容版面配置區 6">
             <a:extLst>
               <a:ext uri="{FF2B5EF4-FFF2-40B4-BE49-F238E27FC236}">
-                <a16:creationId xmlns:a16="http://schemas.microsoft.com/office/drawing/2014/main" id="{5944680B-2626-4DDC-A540-0AB3CB52C8F1}"/>
+                <a16:creationId xmlns="" xmlns:a16="http://schemas.microsoft.com/office/drawing/2014/main" id="{5944680B-2626-4DDC-A540-0AB3CB52C8F1}"/>
               </a:ext>
             </a:extLst>
           </p:cNvPr>
@@ -7790,7 +7792,7 @@
           <p:cNvPr id="3" name="投影片編號版面配置區 2">
             <a:extLst>
               <a:ext uri="{FF2B5EF4-FFF2-40B4-BE49-F238E27FC236}">
-                <a16:creationId xmlns:a16="http://schemas.microsoft.com/office/drawing/2014/main" id="{33056C81-0096-469B-915D-BE2D96C5ECF0}"/>
+                <a16:creationId xmlns="" xmlns:a16="http://schemas.microsoft.com/office/drawing/2014/main" id="{33056C81-0096-469B-915D-BE2D96C5ECF0}"/>
               </a:ext>
             </a:extLst>
           </p:cNvPr>
@@ -7820,7 +7822,7 @@
           <p:cNvPr id="4" name="標題 3">
             <a:extLst>
               <a:ext uri="{FF2B5EF4-FFF2-40B4-BE49-F238E27FC236}">
-                <a16:creationId xmlns:a16="http://schemas.microsoft.com/office/drawing/2014/main" id="{F4E31A55-A092-48DB-BAFB-C49C7710A996}"/>
+                <a16:creationId xmlns="" xmlns:a16="http://schemas.microsoft.com/office/drawing/2014/main" id="{F4E31A55-A092-48DB-BAFB-C49C7710A996}"/>
               </a:ext>
             </a:extLst>
           </p:cNvPr>
@@ -7857,7 +7859,7 @@
           <p:cNvPr id="5" name="圖片 4">
             <a:extLst>
               <a:ext uri="{FF2B5EF4-FFF2-40B4-BE49-F238E27FC236}">
-                <a16:creationId xmlns:a16="http://schemas.microsoft.com/office/drawing/2014/main" id="{B19B75F4-CB8B-40E4-ACFB-44756301E7D7}"/>
+                <a16:creationId xmlns="" xmlns:a16="http://schemas.microsoft.com/office/drawing/2014/main" id="{B19B75F4-CB8B-40E4-ACFB-44756301E7D7}"/>
               </a:ext>
             </a:extLst>
           </p:cNvPr>
@@ -7887,7 +7889,7 @@
           <p:cNvPr id="8" name="箭號: 向右 7">
             <a:extLst>
               <a:ext uri="{FF2B5EF4-FFF2-40B4-BE49-F238E27FC236}">
-                <a16:creationId xmlns:a16="http://schemas.microsoft.com/office/drawing/2014/main" id="{21226344-D183-4AAE-9120-A3E23A33F8F1}"/>
+                <a16:creationId xmlns="" xmlns:a16="http://schemas.microsoft.com/office/drawing/2014/main" id="{21226344-D183-4AAE-9120-A3E23A33F8F1}"/>
               </a:ext>
             </a:extLst>
           </p:cNvPr>
@@ -7937,7 +7939,7 @@
           <p:cNvPr id="9" name="內容版面配置區 1">
             <a:extLst>
               <a:ext uri="{FF2B5EF4-FFF2-40B4-BE49-F238E27FC236}">
-                <a16:creationId xmlns:a16="http://schemas.microsoft.com/office/drawing/2014/main" id="{83F4072C-DE29-406C-94F2-5154FEE81781}"/>
+                <a16:creationId xmlns="" xmlns:a16="http://schemas.microsoft.com/office/drawing/2014/main" id="{83F4072C-DE29-406C-94F2-5154FEE81781}"/>
               </a:ext>
             </a:extLst>
           </p:cNvPr>
@@ -8187,7 +8189,7 @@
           <p:cNvPr id="2" name="內容版面配置區 1">
             <a:extLst>
               <a:ext uri="{FF2B5EF4-FFF2-40B4-BE49-F238E27FC236}">
-                <a16:creationId xmlns:a16="http://schemas.microsoft.com/office/drawing/2014/main" id="{8C44183D-AA4B-4307-BF53-D394EAA5E3EC}"/>
+                <a16:creationId xmlns="" xmlns:a16="http://schemas.microsoft.com/office/drawing/2014/main" id="{8C44183D-AA4B-4307-BF53-D394EAA5E3EC}"/>
               </a:ext>
             </a:extLst>
           </p:cNvPr>
@@ -8318,7 +8320,7 @@
           <p:cNvPr id="3" name="投影片編號版面配置區 2">
             <a:extLst>
               <a:ext uri="{FF2B5EF4-FFF2-40B4-BE49-F238E27FC236}">
-                <a16:creationId xmlns:a16="http://schemas.microsoft.com/office/drawing/2014/main" id="{D087C34F-37E0-46F4-90C5-6127592F4E4B}"/>
+                <a16:creationId xmlns="" xmlns:a16="http://schemas.microsoft.com/office/drawing/2014/main" id="{D087C34F-37E0-46F4-90C5-6127592F4E4B}"/>
               </a:ext>
             </a:extLst>
           </p:cNvPr>
@@ -8348,7 +8350,7 @@
           <p:cNvPr id="4" name="標題 3">
             <a:extLst>
               <a:ext uri="{FF2B5EF4-FFF2-40B4-BE49-F238E27FC236}">
-                <a16:creationId xmlns:a16="http://schemas.microsoft.com/office/drawing/2014/main" id="{B35A7B70-2A3F-49CA-820A-456C113B424E}"/>
+                <a16:creationId xmlns="" xmlns:a16="http://schemas.microsoft.com/office/drawing/2014/main" id="{B35A7B70-2A3F-49CA-820A-456C113B424E}"/>
               </a:ext>
             </a:extLst>
           </p:cNvPr>
@@ -8385,7 +8387,7 @@
           <p:cNvPr id="8" name="圖片 7">
             <a:extLst>
               <a:ext uri="{FF2B5EF4-FFF2-40B4-BE49-F238E27FC236}">
-                <a16:creationId xmlns:a16="http://schemas.microsoft.com/office/drawing/2014/main" id="{18219C04-D49D-4584-A693-9143AE44D609}"/>
+                <a16:creationId xmlns="" xmlns:a16="http://schemas.microsoft.com/office/drawing/2014/main" id="{18219C04-D49D-4584-A693-9143AE44D609}"/>
               </a:ext>
             </a:extLst>
           </p:cNvPr>
@@ -8445,7 +8447,7 @@
           <p:cNvPr id="2" name="內容版面配置區 1">
             <a:extLst>
               <a:ext uri="{FF2B5EF4-FFF2-40B4-BE49-F238E27FC236}">
-                <a16:creationId xmlns:a16="http://schemas.microsoft.com/office/drawing/2014/main" id="{8C44183D-AA4B-4307-BF53-D394EAA5E3EC}"/>
+                <a16:creationId xmlns="" xmlns:a16="http://schemas.microsoft.com/office/drawing/2014/main" id="{8C44183D-AA4B-4307-BF53-D394EAA5E3EC}"/>
               </a:ext>
             </a:extLst>
           </p:cNvPr>
@@ -8500,7 +8502,7 @@
           <p:cNvPr id="3" name="投影片編號版面配置區 2">
             <a:extLst>
               <a:ext uri="{FF2B5EF4-FFF2-40B4-BE49-F238E27FC236}">
-                <a16:creationId xmlns:a16="http://schemas.microsoft.com/office/drawing/2014/main" id="{D087C34F-37E0-46F4-90C5-6127592F4E4B}"/>
+                <a16:creationId xmlns="" xmlns:a16="http://schemas.microsoft.com/office/drawing/2014/main" id="{D087C34F-37E0-46F4-90C5-6127592F4E4B}"/>
               </a:ext>
             </a:extLst>
           </p:cNvPr>
@@ -8530,7 +8532,7 @@
           <p:cNvPr id="4" name="標題 3">
             <a:extLst>
               <a:ext uri="{FF2B5EF4-FFF2-40B4-BE49-F238E27FC236}">
-                <a16:creationId xmlns:a16="http://schemas.microsoft.com/office/drawing/2014/main" id="{B35A7B70-2A3F-49CA-820A-456C113B424E}"/>
+                <a16:creationId xmlns="" xmlns:a16="http://schemas.microsoft.com/office/drawing/2014/main" id="{B35A7B70-2A3F-49CA-820A-456C113B424E}"/>
               </a:ext>
             </a:extLst>
           </p:cNvPr>
@@ -8567,7 +8569,7 @@
           <p:cNvPr id="6" name="圖片 5">
             <a:extLst>
               <a:ext uri="{FF2B5EF4-FFF2-40B4-BE49-F238E27FC236}">
-                <a16:creationId xmlns:a16="http://schemas.microsoft.com/office/drawing/2014/main" id="{9B5D23C9-10C8-44EE-A3FA-2A192149087D}"/>
+                <a16:creationId xmlns="" xmlns:a16="http://schemas.microsoft.com/office/drawing/2014/main" id="{9B5D23C9-10C8-44EE-A3FA-2A192149087D}"/>
               </a:ext>
             </a:extLst>
           </p:cNvPr>
@@ -8597,7 +8599,7 @@
           <p:cNvPr id="7" name="圖片 6">
             <a:extLst>
               <a:ext uri="{FF2B5EF4-FFF2-40B4-BE49-F238E27FC236}">
-                <a16:creationId xmlns:a16="http://schemas.microsoft.com/office/drawing/2014/main" id="{FB7E24C4-440B-4F3A-A9F7-0632052791F5}"/>
+                <a16:creationId xmlns="" xmlns:a16="http://schemas.microsoft.com/office/drawing/2014/main" id="{FB7E24C4-440B-4F3A-A9F7-0632052791F5}"/>
               </a:ext>
             </a:extLst>
           </p:cNvPr>
@@ -8627,7 +8629,7 @@
           <p:cNvPr id="10" name="圖片 9">
             <a:extLst>
               <a:ext uri="{FF2B5EF4-FFF2-40B4-BE49-F238E27FC236}">
-                <a16:creationId xmlns:a16="http://schemas.microsoft.com/office/drawing/2014/main" id="{2CD681D9-8244-4396-A441-4BCA0E23E65C}"/>
+                <a16:creationId xmlns="" xmlns:a16="http://schemas.microsoft.com/office/drawing/2014/main" id="{2CD681D9-8244-4396-A441-4BCA0E23E65C}"/>
               </a:ext>
             </a:extLst>
           </p:cNvPr>
@@ -8657,7 +8659,7 @@
           <p:cNvPr id="12" name="圖片 11">
             <a:extLst>
               <a:ext uri="{FF2B5EF4-FFF2-40B4-BE49-F238E27FC236}">
-                <a16:creationId xmlns:a16="http://schemas.microsoft.com/office/drawing/2014/main" id="{2F326520-5291-48FE-8180-E89E7F4D227E}"/>
+                <a16:creationId xmlns="" xmlns:a16="http://schemas.microsoft.com/office/drawing/2014/main" id="{2F326520-5291-48FE-8180-E89E7F4D227E}"/>
               </a:ext>
             </a:extLst>
           </p:cNvPr>
@@ -8687,7 +8689,7 @@
           <p:cNvPr id="13" name="圖片 12">
             <a:extLst>
               <a:ext uri="{FF2B5EF4-FFF2-40B4-BE49-F238E27FC236}">
-                <a16:creationId xmlns:a16="http://schemas.microsoft.com/office/drawing/2014/main" id="{40DC372F-1921-457C-9DE5-55876C17E668}"/>
+                <a16:creationId xmlns="" xmlns:a16="http://schemas.microsoft.com/office/drawing/2014/main" id="{40DC372F-1921-457C-9DE5-55876C17E668}"/>
               </a:ext>
             </a:extLst>
           </p:cNvPr>
@@ -8747,7 +8749,7 @@
           <p:cNvPr id="2" name="內容版面配置區 1">
             <a:extLst>
               <a:ext uri="{FF2B5EF4-FFF2-40B4-BE49-F238E27FC236}">
-                <a16:creationId xmlns:a16="http://schemas.microsoft.com/office/drawing/2014/main" id="{5328DD5F-1BD3-4D8C-A36D-149C381D3DF3}"/>
+                <a16:creationId xmlns="" xmlns:a16="http://schemas.microsoft.com/office/drawing/2014/main" id="{5328DD5F-1BD3-4D8C-A36D-149C381D3DF3}"/>
               </a:ext>
             </a:extLst>
           </p:cNvPr>
@@ -8809,7 +8811,7 @@
           <p:cNvPr id="3" name="投影片編號版面配置區 2">
             <a:extLst>
               <a:ext uri="{FF2B5EF4-FFF2-40B4-BE49-F238E27FC236}">
-                <a16:creationId xmlns:a16="http://schemas.microsoft.com/office/drawing/2014/main" id="{80DDD633-5BAF-411C-B15B-A2238EB8807F}"/>
+                <a16:creationId xmlns="" xmlns:a16="http://schemas.microsoft.com/office/drawing/2014/main" id="{80DDD633-5BAF-411C-B15B-A2238EB8807F}"/>
               </a:ext>
             </a:extLst>
           </p:cNvPr>
@@ -8839,7 +8841,7 @@
           <p:cNvPr id="4" name="標題 3">
             <a:extLst>
               <a:ext uri="{FF2B5EF4-FFF2-40B4-BE49-F238E27FC236}">
-                <a16:creationId xmlns:a16="http://schemas.microsoft.com/office/drawing/2014/main" id="{8443C7DD-5E98-43D0-B7D5-5A6CBBAFA890}"/>
+                <a16:creationId xmlns="" xmlns:a16="http://schemas.microsoft.com/office/drawing/2014/main" id="{8443C7DD-5E98-43D0-B7D5-5A6CBBAFA890}"/>
               </a:ext>
             </a:extLst>
           </p:cNvPr>
@@ -8867,7 +8869,7 @@
           <p:cNvPr id="5" name="圖片 4">
             <a:extLst>
               <a:ext uri="{FF2B5EF4-FFF2-40B4-BE49-F238E27FC236}">
-                <a16:creationId xmlns:a16="http://schemas.microsoft.com/office/drawing/2014/main" id="{0E6C423B-9EEE-4FE4-8F6D-66C52A8F3D84}"/>
+                <a16:creationId xmlns="" xmlns:a16="http://schemas.microsoft.com/office/drawing/2014/main" id="{0E6C423B-9EEE-4FE4-8F6D-66C52A8F3D84}"/>
               </a:ext>
             </a:extLst>
           </p:cNvPr>
@@ -8897,7 +8899,7 @@
           <p:cNvPr id="1026" name="Picture 2" descr="垃圾桶分類貼紙(大)">
             <a:extLst>
               <a:ext uri="{FF2B5EF4-FFF2-40B4-BE49-F238E27FC236}">
-                <a16:creationId xmlns:a16="http://schemas.microsoft.com/office/drawing/2014/main" id="{260BA662-9DDE-47B3-9705-8CB93F1F4582}"/>
+                <a16:creationId xmlns="" xmlns:a16="http://schemas.microsoft.com/office/drawing/2014/main" id="{260BA662-9DDE-47B3-9705-8CB93F1F4582}"/>
               </a:ext>
             </a:extLst>
           </p:cNvPr>
@@ -8974,7 +8976,7 @@
           <p:cNvPr id="2" name="內容版面配置區 1">
             <a:extLst>
               <a:ext uri="{FF2B5EF4-FFF2-40B4-BE49-F238E27FC236}">
-                <a16:creationId xmlns:a16="http://schemas.microsoft.com/office/drawing/2014/main" id="{8C44183D-AA4B-4307-BF53-D394EAA5E3EC}"/>
+                <a16:creationId xmlns="" xmlns:a16="http://schemas.microsoft.com/office/drawing/2014/main" id="{8C44183D-AA4B-4307-BF53-D394EAA5E3EC}"/>
               </a:ext>
             </a:extLst>
           </p:cNvPr>
@@ -9070,7 +9072,7 @@
           <p:cNvPr id="3" name="投影片編號版面配置區 2">
             <a:extLst>
               <a:ext uri="{FF2B5EF4-FFF2-40B4-BE49-F238E27FC236}">
-                <a16:creationId xmlns:a16="http://schemas.microsoft.com/office/drawing/2014/main" id="{D087C34F-37E0-46F4-90C5-6127592F4E4B}"/>
+                <a16:creationId xmlns="" xmlns:a16="http://schemas.microsoft.com/office/drawing/2014/main" id="{D087C34F-37E0-46F4-90C5-6127592F4E4B}"/>
               </a:ext>
             </a:extLst>
           </p:cNvPr>
@@ -9100,7 +9102,7 @@
           <p:cNvPr id="4" name="標題 3">
             <a:extLst>
               <a:ext uri="{FF2B5EF4-FFF2-40B4-BE49-F238E27FC236}">
-                <a16:creationId xmlns:a16="http://schemas.microsoft.com/office/drawing/2014/main" id="{B35A7B70-2A3F-49CA-820A-456C113B424E}"/>
+                <a16:creationId xmlns="" xmlns:a16="http://schemas.microsoft.com/office/drawing/2014/main" id="{B35A7B70-2A3F-49CA-820A-456C113B424E}"/>
               </a:ext>
             </a:extLst>
           </p:cNvPr>
@@ -9137,7 +9139,7 @@
           <p:cNvPr id="5" name="圖片 4">
             <a:extLst>
               <a:ext uri="{FF2B5EF4-FFF2-40B4-BE49-F238E27FC236}">
-                <a16:creationId xmlns:a16="http://schemas.microsoft.com/office/drawing/2014/main" id="{5D5FE964-2C5C-4E4F-B7B4-5056AC7DE4C4}"/>
+                <a16:creationId xmlns="" xmlns:a16="http://schemas.microsoft.com/office/drawing/2014/main" id="{5D5FE964-2C5C-4E4F-B7B4-5056AC7DE4C4}"/>
               </a:ext>
             </a:extLst>
           </p:cNvPr>
@@ -9197,7 +9199,7 @@
           <p:cNvPr id="2" name="內容版面配置區 1">
             <a:extLst>
               <a:ext uri="{FF2B5EF4-FFF2-40B4-BE49-F238E27FC236}">
-                <a16:creationId xmlns:a16="http://schemas.microsoft.com/office/drawing/2014/main" id="{8C44183D-AA4B-4307-BF53-D394EAA5E3EC}"/>
+                <a16:creationId xmlns="" xmlns:a16="http://schemas.microsoft.com/office/drawing/2014/main" id="{8C44183D-AA4B-4307-BF53-D394EAA5E3EC}"/>
               </a:ext>
             </a:extLst>
           </p:cNvPr>
@@ -9458,7 +9460,7 @@
           <p:cNvPr id="3" name="投影片編號版面配置區 2">
             <a:extLst>
               <a:ext uri="{FF2B5EF4-FFF2-40B4-BE49-F238E27FC236}">
-                <a16:creationId xmlns:a16="http://schemas.microsoft.com/office/drawing/2014/main" id="{D087C34F-37E0-46F4-90C5-6127592F4E4B}"/>
+                <a16:creationId xmlns="" xmlns:a16="http://schemas.microsoft.com/office/drawing/2014/main" id="{D087C34F-37E0-46F4-90C5-6127592F4E4B}"/>
               </a:ext>
             </a:extLst>
           </p:cNvPr>
@@ -9488,7 +9490,7 @@
           <p:cNvPr id="4" name="標題 3">
             <a:extLst>
               <a:ext uri="{FF2B5EF4-FFF2-40B4-BE49-F238E27FC236}">
-                <a16:creationId xmlns:a16="http://schemas.microsoft.com/office/drawing/2014/main" id="{B35A7B70-2A3F-49CA-820A-456C113B424E}"/>
+                <a16:creationId xmlns="" xmlns:a16="http://schemas.microsoft.com/office/drawing/2014/main" id="{B35A7B70-2A3F-49CA-820A-456C113B424E}"/>
               </a:ext>
             </a:extLst>
           </p:cNvPr>
@@ -9555,7 +9557,7 @@
           <p:cNvPr id="2" name="內容版面配置區 1">
             <a:extLst>
               <a:ext uri="{FF2B5EF4-FFF2-40B4-BE49-F238E27FC236}">
-                <a16:creationId xmlns:a16="http://schemas.microsoft.com/office/drawing/2014/main" id="{8209EB1F-17FC-45E7-9260-4D68DB9F72C6}"/>
+                <a16:creationId xmlns="" xmlns:a16="http://schemas.microsoft.com/office/drawing/2014/main" id="{8209EB1F-17FC-45E7-9260-4D68DB9F72C6}"/>
               </a:ext>
             </a:extLst>
           </p:cNvPr>
@@ -9584,7 +9586,7 @@
           <p:cNvPr id="3" name="投影片編號版面配置區 2">
             <a:extLst>
               <a:ext uri="{FF2B5EF4-FFF2-40B4-BE49-F238E27FC236}">
-                <a16:creationId xmlns:a16="http://schemas.microsoft.com/office/drawing/2014/main" id="{0DE5B44E-0053-473B-8421-6762C5026754}"/>
+                <a16:creationId xmlns="" xmlns:a16="http://schemas.microsoft.com/office/drawing/2014/main" id="{0DE5B44E-0053-473B-8421-6762C5026754}"/>
               </a:ext>
             </a:extLst>
           </p:cNvPr>
@@ -9614,7 +9616,7 @@
           <p:cNvPr id="4" name="標題 3">
             <a:extLst>
               <a:ext uri="{FF2B5EF4-FFF2-40B4-BE49-F238E27FC236}">
-                <a16:creationId xmlns:a16="http://schemas.microsoft.com/office/drawing/2014/main" id="{D5881919-8B40-4A79-BFE2-F71E8270018C}"/>
+                <a16:creationId xmlns="" xmlns:a16="http://schemas.microsoft.com/office/drawing/2014/main" id="{D5881919-8B40-4A79-BFE2-F71E8270018C}"/>
               </a:ext>
             </a:extLst>
           </p:cNvPr>
@@ -9651,7 +9653,7 @@
           <p:cNvPr id="5" name="圖片 4">
             <a:extLst>
               <a:ext uri="{FF2B5EF4-FFF2-40B4-BE49-F238E27FC236}">
-                <a16:creationId xmlns:a16="http://schemas.microsoft.com/office/drawing/2014/main" id="{DD68D74B-E94E-487F-8025-63DF161F814F}"/>
+                <a16:creationId xmlns="" xmlns:a16="http://schemas.microsoft.com/office/drawing/2014/main" id="{DD68D74B-E94E-487F-8025-63DF161F814F}"/>
               </a:ext>
             </a:extLst>
           </p:cNvPr>
@@ -9711,7 +9713,7 @@
           <p:cNvPr id="2" name="內容版面配置區 1">
             <a:extLst>
               <a:ext uri="{FF2B5EF4-FFF2-40B4-BE49-F238E27FC236}">
-                <a16:creationId xmlns:a16="http://schemas.microsoft.com/office/drawing/2014/main" id="{8209EB1F-17FC-45E7-9260-4D68DB9F72C6}"/>
+                <a16:creationId xmlns="" xmlns:a16="http://schemas.microsoft.com/office/drawing/2014/main" id="{8209EB1F-17FC-45E7-9260-4D68DB9F72C6}"/>
               </a:ext>
             </a:extLst>
           </p:cNvPr>
@@ -9740,7 +9742,7 @@
           <p:cNvPr id="3" name="投影片編號版面配置區 2">
             <a:extLst>
               <a:ext uri="{FF2B5EF4-FFF2-40B4-BE49-F238E27FC236}">
-                <a16:creationId xmlns:a16="http://schemas.microsoft.com/office/drawing/2014/main" id="{0DE5B44E-0053-473B-8421-6762C5026754}"/>
+                <a16:creationId xmlns="" xmlns:a16="http://schemas.microsoft.com/office/drawing/2014/main" id="{0DE5B44E-0053-473B-8421-6762C5026754}"/>
               </a:ext>
             </a:extLst>
           </p:cNvPr>
@@ -9770,7 +9772,7 @@
           <p:cNvPr id="4" name="標題 3">
             <a:extLst>
               <a:ext uri="{FF2B5EF4-FFF2-40B4-BE49-F238E27FC236}">
-                <a16:creationId xmlns:a16="http://schemas.microsoft.com/office/drawing/2014/main" id="{D5881919-8B40-4A79-BFE2-F71E8270018C}"/>
+                <a16:creationId xmlns="" xmlns:a16="http://schemas.microsoft.com/office/drawing/2014/main" id="{D5881919-8B40-4A79-BFE2-F71E8270018C}"/>
               </a:ext>
             </a:extLst>
           </p:cNvPr>
@@ -9807,7 +9809,7 @@
           <p:cNvPr id="6" name="Picture 2">
             <a:extLst>
               <a:ext uri="{FF2B5EF4-FFF2-40B4-BE49-F238E27FC236}">
-                <a16:creationId xmlns:a16="http://schemas.microsoft.com/office/drawing/2014/main" id="{24234B80-9044-4195-9DF5-E32FDA48254D}"/>
+                <a16:creationId xmlns="" xmlns:a16="http://schemas.microsoft.com/office/drawing/2014/main" id="{24234B80-9044-4195-9DF5-E32FDA48254D}"/>
               </a:ext>
             </a:extLst>
           </p:cNvPr>
@@ -9854,7 +9856,7 @@
           <p:cNvPr id="13314" name="Picture 2">
             <a:extLst>
               <a:ext uri="{FF2B5EF4-FFF2-40B4-BE49-F238E27FC236}">
-                <a16:creationId xmlns:a16="http://schemas.microsoft.com/office/drawing/2014/main" id="{0C000A41-8835-4885-B7F6-6B5D00632E16}"/>
+                <a16:creationId xmlns="" xmlns:a16="http://schemas.microsoft.com/office/drawing/2014/main" id="{0C000A41-8835-4885-B7F6-6B5D00632E16}"/>
               </a:ext>
             </a:extLst>
           </p:cNvPr>
@@ -9901,7 +9903,7 @@
           <p:cNvPr id="13316" name="Picture 4">
             <a:extLst>
               <a:ext uri="{FF2B5EF4-FFF2-40B4-BE49-F238E27FC236}">
-                <a16:creationId xmlns:a16="http://schemas.microsoft.com/office/drawing/2014/main" id="{AA48689F-0504-4129-9D78-D90D734F0ABF}"/>
+                <a16:creationId xmlns="" xmlns:a16="http://schemas.microsoft.com/office/drawing/2014/main" id="{AA48689F-0504-4129-9D78-D90D734F0ABF}"/>
               </a:ext>
             </a:extLst>
           </p:cNvPr>
@@ -9948,7 +9950,7 @@
           <p:cNvPr id="13318" name="Picture 6">
             <a:extLst>
               <a:ext uri="{FF2B5EF4-FFF2-40B4-BE49-F238E27FC236}">
-                <a16:creationId xmlns:a16="http://schemas.microsoft.com/office/drawing/2014/main" id="{5EC28AED-D7DC-483A-A117-53FFE41884B6}"/>
+                <a16:creationId xmlns="" xmlns:a16="http://schemas.microsoft.com/office/drawing/2014/main" id="{5EC28AED-D7DC-483A-A117-53FFE41884B6}"/>
               </a:ext>
             </a:extLst>
           </p:cNvPr>
@@ -10025,7 +10027,7 @@
           <p:cNvPr id="2" name="內容版面配置區 1">
             <a:extLst>
               <a:ext uri="{FF2B5EF4-FFF2-40B4-BE49-F238E27FC236}">
-                <a16:creationId xmlns:a16="http://schemas.microsoft.com/office/drawing/2014/main" id="{8209EB1F-17FC-45E7-9260-4D68DB9F72C6}"/>
+                <a16:creationId xmlns="" xmlns:a16="http://schemas.microsoft.com/office/drawing/2014/main" id="{8209EB1F-17FC-45E7-9260-4D68DB9F72C6}"/>
               </a:ext>
             </a:extLst>
           </p:cNvPr>
@@ -10054,7 +10056,7 @@
           <p:cNvPr id="3" name="投影片編號版面配置區 2">
             <a:extLst>
               <a:ext uri="{FF2B5EF4-FFF2-40B4-BE49-F238E27FC236}">
-                <a16:creationId xmlns:a16="http://schemas.microsoft.com/office/drawing/2014/main" id="{0DE5B44E-0053-473B-8421-6762C5026754}"/>
+                <a16:creationId xmlns="" xmlns:a16="http://schemas.microsoft.com/office/drawing/2014/main" id="{0DE5B44E-0053-473B-8421-6762C5026754}"/>
               </a:ext>
             </a:extLst>
           </p:cNvPr>
@@ -10084,7 +10086,7 @@
           <p:cNvPr id="4" name="標題 3">
             <a:extLst>
               <a:ext uri="{FF2B5EF4-FFF2-40B4-BE49-F238E27FC236}">
-                <a16:creationId xmlns:a16="http://schemas.microsoft.com/office/drawing/2014/main" id="{D5881919-8B40-4A79-BFE2-F71E8270018C}"/>
+                <a16:creationId xmlns="" xmlns:a16="http://schemas.microsoft.com/office/drawing/2014/main" id="{D5881919-8B40-4A79-BFE2-F71E8270018C}"/>
               </a:ext>
             </a:extLst>
           </p:cNvPr>
@@ -10121,7 +10123,7 @@
           <p:cNvPr id="15362" name="Picture 2">
             <a:extLst>
               <a:ext uri="{FF2B5EF4-FFF2-40B4-BE49-F238E27FC236}">
-                <a16:creationId xmlns:a16="http://schemas.microsoft.com/office/drawing/2014/main" id="{A3A14EBF-4818-44D1-871E-F2F8456F6E02}"/>
+                <a16:creationId xmlns="" xmlns:a16="http://schemas.microsoft.com/office/drawing/2014/main" id="{A3A14EBF-4818-44D1-871E-F2F8456F6E02}"/>
               </a:ext>
             </a:extLst>
           </p:cNvPr>
@@ -10168,7 +10170,7 @@
           <p:cNvPr id="15364" name="Picture 4">
             <a:extLst>
               <a:ext uri="{FF2B5EF4-FFF2-40B4-BE49-F238E27FC236}">
-                <a16:creationId xmlns:a16="http://schemas.microsoft.com/office/drawing/2014/main" id="{50722FDE-D785-49B3-A2E5-9C749F2593F4}"/>
+                <a16:creationId xmlns="" xmlns:a16="http://schemas.microsoft.com/office/drawing/2014/main" id="{50722FDE-D785-49B3-A2E5-9C749F2593F4}"/>
               </a:ext>
             </a:extLst>
           </p:cNvPr>
@@ -10215,7 +10217,7 @@
           <p:cNvPr id="15366" name="Picture 6">
             <a:extLst>
               <a:ext uri="{FF2B5EF4-FFF2-40B4-BE49-F238E27FC236}">
-                <a16:creationId xmlns:a16="http://schemas.microsoft.com/office/drawing/2014/main" id="{4E0E08F8-822D-4E7D-B8BA-85FF331EC167}"/>
+                <a16:creationId xmlns="" xmlns:a16="http://schemas.microsoft.com/office/drawing/2014/main" id="{4E0E08F8-822D-4E7D-B8BA-85FF331EC167}"/>
               </a:ext>
             </a:extLst>
           </p:cNvPr>
@@ -10262,7 +10264,7 @@
           <p:cNvPr id="15370" name="Picture 10">
             <a:extLst>
               <a:ext uri="{FF2B5EF4-FFF2-40B4-BE49-F238E27FC236}">
-                <a16:creationId xmlns:a16="http://schemas.microsoft.com/office/drawing/2014/main" id="{647BDB3B-64EB-4104-BBC8-A84D0E4670C9}"/>
+                <a16:creationId xmlns="" xmlns:a16="http://schemas.microsoft.com/office/drawing/2014/main" id="{647BDB3B-64EB-4104-BBC8-A84D0E4670C9}"/>
               </a:ext>
             </a:extLst>
           </p:cNvPr>
@@ -10339,7 +10341,7 @@
           <p:cNvPr id="2" name="內容版面配置區 1">
             <a:extLst>
               <a:ext uri="{FF2B5EF4-FFF2-40B4-BE49-F238E27FC236}">
-                <a16:creationId xmlns:a16="http://schemas.microsoft.com/office/drawing/2014/main" id="{E1247FBF-C968-410E-8994-1C0B1EC6557E}"/>
+                <a16:creationId xmlns="" xmlns:a16="http://schemas.microsoft.com/office/drawing/2014/main" id="{E1247FBF-C968-410E-8994-1C0B1EC6557E}"/>
               </a:ext>
             </a:extLst>
           </p:cNvPr>
@@ -10382,7 +10384,7 @@
           <p:cNvPr id="3" name="投影片編號版面配置區 2">
             <a:extLst>
               <a:ext uri="{FF2B5EF4-FFF2-40B4-BE49-F238E27FC236}">
-                <a16:creationId xmlns:a16="http://schemas.microsoft.com/office/drawing/2014/main" id="{0B9F1E7C-9222-403C-86E6-86E91331EBD9}"/>
+                <a16:creationId xmlns="" xmlns:a16="http://schemas.microsoft.com/office/drawing/2014/main" id="{0B9F1E7C-9222-403C-86E6-86E91331EBD9}"/>
               </a:ext>
             </a:extLst>
           </p:cNvPr>
@@ -10412,7 +10414,7 @@
           <p:cNvPr id="4" name="標題 3">
             <a:extLst>
               <a:ext uri="{FF2B5EF4-FFF2-40B4-BE49-F238E27FC236}">
-                <a16:creationId xmlns:a16="http://schemas.microsoft.com/office/drawing/2014/main" id="{629F144D-F033-4A1D-8CE8-93A02693FD9E}"/>
+                <a16:creationId xmlns="" xmlns:a16="http://schemas.microsoft.com/office/drawing/2014/main" id="{629F144D-F033-4A1D-8CE8-93A02693FD9E}"/>
               </a:ext>
             </a:extLst>
           </p:cNvPr>
@@ -10445,7 +10447,7 @@
           <p:cNvPr id="6" name="圖片 5">
             <a:extLst>
               <a:ext uri="{FF2B5EF4-FFF2-40B4-BE49-F238E27FC236}">
-                <a16:creationId xmlns:a16="http://schemas.microsoft.com/office/drawing/2014/main" id="{002E2A1F-AE71-441C-A5BD-105C57E65FFB}"/>
+                <a16:creationId xmlns="" xmlns:a16="http://schemas.microsoft.com/office/drawing/2014/main" id="{002E2A1F-AE71-441C-A5BD-105C57E65FFB}"/>
               </a:ext>
             </a:extLst>
           </p:cNvPr>
@@ -10511,7 +10513,7 @@
           <p:cNvPr id="2" name="內容版面配置區 1">
             <a:extLst>
               <a:ext uri="{FF2B5EF4-FFF2-40B4-BE49-F238E27FC236}">
-                <a16:creationId xmlns:a16="http://schemas.microsoft.com/office/drawing/2014/main" id="{E1247FBF-C968-410E-8994-1C0B1EC6557E}"/>
+                <a16:creationId xmlns="" xmlns:a16="http://schemas.microsoft.com/office/drawing/2014/main" id="{E1247FBF-C968-410E-8994-1C0B1EC6557E}"/>
               </a:ext>
             </a:extLst>
           </p:cNvPr>
@@ -10546,7 +10548,7 @@
           <p:cNvPr id="3" name="投影片編號版面配置區 2">
             <a:extLst>
               <a:ext uri="{FF2B5EF4-FFF2-40B4-BE49-F238E27FC236}">
-                <a16:creationId xmlns:a16="http://schemas.microsoft.com/office/drawing/2014/main" id="{0B9F1E7C-9222-403C-86E6-86E91331EBD9}"/>
+                <a16:creationId xmlns="" xmlns:a16="http://schemas.microsoft.com/office/drawing/2014/main" id="{0B9F1E7C-9222-403C-86E6-86E91331EBD9}"/>
               </a:ext>
             </a:extLst>
           </p:cNvPr>
@@ -10576,7 +10578,7 @@
           <p:cNvPr id="4" name="標題 3">
             <a:extLst>
               <a:ext uri="{FF2B5EF4-FFF2-40B4-BE49-F238E27FC236}">
-                <a16:creationId xmlns:a16="http://schemas.microsoft.com/office/drawing/2014/main" id="{629F144D-F033-4A1D-8CE8-93A02693FD9E}"/>
+                <a16:creationId xmlns="" xmlns:a16="http://schemas.microsoft.com/office/drawing/2014/main" id="{629F144D-F033-4A1D-8CE8-93A02693FD9E}"/>
               </a:ext>
             </a:extLst>
           </p:cNvPr>
@@ -10609,7 +10611,7 @@
           <p:cNvPr id="7" name="圖片 6">
             <a:extLst>
               <a:ext uri="{FF2B5EF4-FFF2-40B4-BE49-F238E27FC236}">
-                <a16:creationId xmlns:a16="http://schemas.microsoft.com/office/drawing/2014/main" id="{40FBC345-FAF6-4E4E-9A06-21DD130D546D}"/>
+                <a16:creationId xmlns="" xmlns:a16="http://schemas.microsoft.com/office/drawing/2014/main" id="{40FBC345-FAF6-4E4E-9A06-21DD130D546D}"/>
               </a:ext>
             </a:extLst>
           </p:cNvPr>
@@ -10675,7 +10677,7 @@
           <p:cNvPr id="2" name="內容版面配置區 1">
             <a:extLst>
               <a:ext uri="{FF2B5EF4-FFF2-40B4-BE49-F238E27FC236}">
-                <a16:creationId xmlns:a16="http://schemas.microsoft.com/office/drawing/2014/main" id="{E1247FBF-C968-410E-8994-1C0B1EC6557E}"/>
+                <a16:creationId xmlns="" xmlns:a16="http://schemas.microsoft.com/office/drawing/2014/main" id="{E1247FBF-C968-410E-8994-1C0B1EC6557E}"/>
               </a:ext>
             </a:extLst>
           </p:cNvPr>
@@ -10710,7 +10712,7 @@
           <p:cNvPr id="3" name="投影片編號版面配置區 2">
             <a:extLst>
               <a:ext uri="{FF2B5EF4-FFF2-40B4-BE49-F238E27FC236}">
-                <a16:creationId xmlns:a16="http://schemas.microsoft.com/office/drawing/2014/main" id="{0B9F1E7C-9222-403C-86E6-86E91331EBD9}"/>
+                <a16:creationId xmlns="" xmlns:a16="http://schemas.microsoft.com/office/drawing/2014/main" id="{0B9F1E7C-9222-403C-86E6-86E91331EBD9}"/>
               </a:ext>
             </a:extLst>
           </p:cNvPr>
@@ -10740,7 +10742,7 @@
           <p:cNvPr id="4" name="標題 3">
             <a:extLst>
               <a:ext uri="{FF2B5EF4-FFF2-40B4-BE49-F238E27FC236}">
-                <a16:creationId xmlns:a16="http://schemas.microsoft.com/office/drawing/2014/main" id="{629F144D-F033-4A1D-8CE8-93A02693FD9E}"/>
+                <a16:creationId xmlns="" xmlns:a16="http://schemas.microsoft.com/office/drawing/2014/main" id="{629F144D-F033-4A1D-8CE8-93A02693FD9E}"/>
               </a:ext>
             </a:extLst>
           </p:cNvPr>
@@ -10773,7 +10775,7 @@
           <p:cNvPr id="6" name="圖片 5">
             <a:extLst>
               <a:ext uri="{FF2B5EF4-FFF2-40B4-BE49-F238E27FC236}">
-                <a16:creationId xmlns:a16="http://schemas.microsoft.com/office/drawing/2014/main" id="{511E39D9-BA52-4720-BA66-496CA6594DCD}"/>
+                <a16:creationId xmlns="" xmlns:a16="http://schemas.microsoft.com/office/drawing/2014/main" id="{511E39D9-BA52-4720-BA66-496CA6594DCD}"/>
               </a:ext>
             </a:extLst>
           </p:cNvPr>
@@ -10839,7 +10841,7 @@
           <p:cNvPr id="2" name="內容版面配置區 1">
             <a:extLst>
               <a:ext uri="{FF2B5EF4-FFF2-40B4-BE49-F238E27FC236}">
-                <a16:creationId xmlns:a16="http://schemas.microsoft.com/office/drawing/2014/main" id="{E1247FBF-C968-410E-8994-1C0B1EC6557E}"/>
+                <a16:creationId xmlns="" xmlns:a16="http://schemas.microsoft.com/office/drawing/2014/main" id="{E1247FBF-C968-410E-8994-1C0B1EC6557E}"/>
               </a:ext>
             </a:extLst>
           </p:cNvPr>
@@ -10874,7 +10876,7 @@
           <p:cNvPr id="3" name="投影片編號版面配置區 2">
             <a:extLst>
               <a:ext uri="{FF2B5EF4-FFF2-40B4-BE49-F238E27FC236}">
-                <a16:creationId xmlns:a16="http://schemas.microsoft.com/office/drawing/2014/main" id="{0B9F1E7C-9222-403C-86E6-86E91331EBD9}"/>
+                <a16:creationId xmlns="" xmlns:a16="http://schemas.microsoft.com/office/drawing/2014/main" id="{0B9F1E7C-9222-403C-86E6-86E91331EBD9}"/>
               </a:ext>
             </a:extLst>
           </p:cNvPr>
@@ -10904,7 +10906,7 @@
           <p:cNvPr id="4" name="標題 3">
             <a:extLst>
               <a:ext uri="{FF2B5EF4-FFF2-40B4-BE49-F238E27FC236}">
-                <a16:creationId xmlns:a16="http://schemas.microsoft.com/office/drawing/2014/main" id="{629F144D-F033-4A1D-8CE8-93A02693FD9E}"/>
+                <a16:creationId xmlns="" xmlns:a16="http://schemas.microsoft.com/office/drawing/2014/main" id="{629F144D-F033-4A1D-8CE8-93A02693FD9E}"/>
               </a:ext>
             </a:extLst>
           </p:cNvPr>
@@ -10937,7 +10939,7 @@
           <p:cNvPr id="7" name="圖片 6">
             <a:extLst>
               <a:ext uri="{FF2B5EF4-FFF2-40B4-BE49-F238E27FC236}">
-                <a16:creationId xmlns:a16="http://schemas.microsoft.com/office/drawing/2014/main" id="{486DA2EA-6E67-43DC-963B-A235F13270ED}"/>
+                <a16:creationId xmlns="" xmlns:a16="http://schemas.microsoft.com/office/drawing/2014/main" id="{486DA2EA-6E67-43DC-963B-A235F13270ED}"/>
               </a:ext>
             </a:extLst>
           </p:cNvPr>
@@ -11003,7 +11005,7 @@
           <p:cNvPr id="2" name="內容版面配置區 1">
             <a:extLst>
               <a:ext uri="{FF2B5EF4-FFF2-40B4-BE49-F238E27FC236}">
-                <a16:creationId xmlns:a16="http://schemas.microsoft.com/office/drawing/2014/main" id="{75CA244B-EB27-42D1-8A65-E6D9D66D209C}"/>
+                <a16:creationId xmlns="" xmlns:a16="http://schemas.microsoft.com/office/drawing/2014/main" id="{75CA244B-EB27-42D1-8A65-E6D9D66D209C}"/>
               </a:ext>
             </a:extLst>
           </p:cNvPr>
@@ -11181,7 +11183,7 @@
           <p:cNvPr id="3" name="投影片編號版面配置區 2">
             <a:extLst>
               <a:ext uri="{FF2B5EF4-FFF2-40B4-BE49-F238E27FC236}">
-                <a16:creationId xmlns:a16="http://schemas.microsoft.com/office/drawing/2014/main" id="{3FC2A568-A8D3-420E-86E6-F1805750CD13}"/>
+                <a16:creationId xmlns="" xmlns:a16="http://schemas.microsoft.com/office/drawing/2014/main" id="{3FC2A568-A8D3-420E-86E6-F1805750CD13}"/>
               </a:ext>
             </a:extLst>
           </p:cNvPr>
@@ -11211,7 +11213,7 @@
           <p:cNvPr id="4" name="標題 3">
             <a:extLst>
               <a:ext uri="{FF2B5EF4-FFF2-40B4-BE49-F238E27FC236}">
-                <a16:creationId xmlns:a16="http://schemas.microsoft.com/office/drawing/2014/main" id="{3ACC29DE-C8B3-4BA9-A302-0F079F4952AA}"/>
+                <a16:creationId xmlns="" xmlns:a16="http://schemas.microsoft.com/office/drawing/2014/main" id="{3ACC29DE-C8B3-4BA9-A302-0F079F4952AA}"/>
               </a:ext>
             </a:extLst>
           </p:cNvPr>
@@ -11274,7 +11276,7 @@
           <p:cNvPr id="2" name="內容版面配置區 1">
             <a:extLst>
               <a:ext uri="{FF2B5EF4-FFF2-40B4-BE49-F238E27FC236}">
-                <a16:creationId xmlns:a16="http://schemas.microsoft.com/office/drawing/2014/main" id="{5328DD5F-1BD3-4D8C-A36D-149C381D3DF3}"/>
+                <a16:creationId xmlns="" xmlns:a16="http://schemas.microsoft.com/office/drawing/2014/main" id="{5328DD5F-1BD3-4D8C-A36D-149C381D3DF3}"/>
               </a:ext>
             </a:extLst>
           </p:cNvPr>
@@ -11381,7 +11383,7 @@
           <p:cNvPr id="3" name="投影片編號版面配置區 2">
             <a:extLst>
               <a:ext uri="{FF2B5EF4-FFF2-40B4-BE49-F238E27FC236}">
-                <a16:creationId xmlns:a16="http://schemas.microsoft.com/office/drawing/2014/main" id="{80DDD633-5BAF-411C-B15B-A2238EB8807F}"/>
+                <a16:creationId xmlns="" xmlns:a16="http://schemas.microsoft.com/office/drawing/2014/main" id="{80DDD633-5BAF-411C-B15B-A2238EB8807F}"/>
               </a:ext>
             </a:extLst>
           </p:cNvPr>
@@ -11411,7 +11413,7 @@
           <p:cNvPr id="4" name="標題 3">
             <a:extLst>
               <a:ext uri="{FF2B5EF4-FFF2-40B4-BE49-F238E27FC236}">
-                <a16:creationId xmlns:a16="http://schemas.microsoft.com/office/drawing/2014/main" id="{8443C7DD-5E98-43D0-B7D5-5A6CBBAFA890}"/>
+                <a16:creationId xmlns="" xmlns:a16="http://schemas.microsoft.com/office/drawing/2014/main" id="{8443C7DD-5E98-43D0-B7D5-5A6CBBAFA890}"/>
               </a:ext>
             </a:extLst>
           </p:cNvPr>
@@ -11469,7 +11471,7 @@
           <p:cNvPr id="2" name="內容版面配置區 1">
             <a:extLst>
               <a:ext uri="{FF2B5EF4-FFF2-40B4-BE49-F238E27FC236}">
-                <a16:creationId xmlns:a16="http://schemas.microsoft.com/office/drawing/2014/main" id="{75CA244B-EB27-42D1-8A65-E6D9D66D209C}"/>
+                <a16:creationId xmlns="" xmlns:a16="http://schemas.microsoft.com/office/drawing/2014/main" id="{75CA244B-EB27-42D1-8A65-E6D9D66D209C}"/>
               </a:ext>
             </a:extLst>
           </p:cNvPr>
@@ -11499,7 +11501,7 @@
           <p:cNvPr id="3" name="投影片編號版面配置區 2">
             <a:extLst>
               <a:ext uri="{FF2B5EF4-FFF2-40B4-BE49-F238E27FC236}">
-                <a16:creationId xmlns:a16="http://schemas.microsoft.com/office/drawing/2014/main" id="{3FC2A568-A8D3-420E-86E6-F1805750CD13}"/>
+                <a16:creationId xmlns="" xmlns:a16="http://schemas.microsoft.com/office/drawing/2014/main" id="{3FC2A568-A8D3-420E-86E6-F1805750CD13}"/>
               </a:ext>
             </a:extLst>
           </p:cNvPr>
@@ -11529,7 +11531,7 @@
           <p:cNvPr id="4" name="標題 3">
             <a:extLst>
               <a:ext uri="{FF2B5EF4-FFF2-40B4-BE49-F238E27FC236}">
-                <a16:creationId xmlns:a16="http://schemas.microsoft.com/office/drawing/2014/main" id="{3ACC29DE-C8B3-4BA9-A302-0F079F4952AA}"/>
+                <a16:creationId xmlns="" xmlns:a16="http://schemas.microsoft.com/office/drawing/2014/main" id="{3ACC29DE-C8B3-4BA9-A302-0F079F4952AA}"/>
               </a:ext>
             </a:extLst>
           </p:cNvPr>
@@ -11562,7 +11564,7 @@
           <p:cNvPr id="5" name="圖片 4">
             <a:extLst>
               <a:ext uri="{FF2B5EF4-FFF2-40B4-BE49-F238E27FC236}">
-                <a16:creationId xmlns:a16="http://schemas.microsoft.com/office/drawing/2014/main" id="{6CC03646-89BB-41A8-B445-AD256AAF8042}"/>
+                <a16:creationId xmlns="" xmlns:a16="http://schemas.microsoft.com/office/drawing/2014/main" id="{6CC03646-89BB-41A8-B445-AD256AAF8042}"/>
               </a:ext>
             </a:extLst>
           </p:cNvPr>
@@ -11622,7 +11624,7 @@
           <p:cNvPr id="2" name="內容版面配置區 1">
             <a:extLst>
               <a:ext uri="{FF2B5EF4-FFF2-40B4-BE49-F238E27FC236}">
-                <a16:creationId xmlns:a16="http://schemas.microsoft.com/office/drawing/2014/main" id="{75CA244B-EB27-42D1-8A65-E6D9D66D209C}"/>
+                <a16:creationId xmlns="" xmlns:a16="http://schemas.microsoft.com/office/drawing/2014/main" id="{75CA244B-EB27-42D1-8A65-E6D9D66D209C}"/>
               </a:ext>
             </a:extLst>
           </p:cNvPr>
@@ -11653,7 +11655,7 @@
           <p:cNvPr id="3" name="投影片編號版面配置區 2">
             <a:extLst>
               <a:ext uri="{FF2B5EF4-FFF2-40B4-BE49-F238E27FC236}">
-                <a16:creationId xmlns:a16="http://schemas.microsoft.com/office/drawing/2014/main" id="{3FC2A568-A8D3-420E-86E6-F1805750CD13}"/>
+                <a16:creationId xmlns="" xmlns:a16="http://schemas.microsoft.com/office/drawing/2014/main" id="{3FC2A568-A8D3-420E-86E6-F1805750CD13}"/>
               </a:ext>
             </a:extLst>
           </p:cNvPr>
@@ -11683,7 +11685,7 @@
           <p:cNvPr id="4" name="標題 3">
             <a:extLst>
               <a:ext uri="{FF2B5EF4-FFF2-40B4-BE49-F238E27FC236}">
-                <a16:creationId xmlns:a16="http://schemas.microsoft.com/office/drawing/2014/main" id="{3ACC29DE-C8B3-4BA9-A302-0F079F4952AA}"/>
+                <a16:creationId xmlns="" xmlns:a16="http://schemas.microsoft.com/office/drawing/2014/main" id="{3ACC29DE-C8B3-4BA9-A302-0F079F4952AA}"/>
               </a:ext>
             </a:extLst>
           </p:cNvPr>
@@ -11716,7 +11718,7 @@
           <p:cNvPr id="17410" name="Picture 2">
             <a:extLst>
               <a:ext uri="{FF2B5EF4-FFF2-40B4-BE49-F238E27FC236}">
-                <a16:creationId xmlns:a16="http://schemas.microsoft.com/office/drawing/2014/main" id="{A4AB1204-B6A8-460D-A761-FCFDFDDE27A6}"/>
+                <a16:creationId xmlns="" xmlns:a16="http://schemas.microsoft.com/office/drawing/2014/main" id="{A4AB1204-B6A8-460D-A761-FCFDFDDE27A6}"/>
               </a:ext>
             </a:extLst>
           </p:cNvPr>
@@ -11763,7 +11765,7 @@
           <p:cNvPr id="17412" name="Picture 4">
             <a:extLst>
               <a:ext uri="{FF2B5EF4-FFF2-40B4-BE49-F238E27FC236}">
-                <a16:creationId xmlns:a16="http://schemas.microsoft.com/office/drawing/2014/main" id="{3E30CE32-A48B-46C6-91DA-6B47BBCBEC2C}"/>
+                <a16:creationId xmlns="" xmlns:a16="http://schemas.microsoft.com/office/drawing/2014/main" id="{3E30CE32-A48B-46C6-91DA-6B47BBCBEC2C}"/>
               </a:ext>
             </a:extLst>
           </p:cNvPr>
@@ -11810,7 +11812,7 @@
           <p:cNvPr id="17414" name="Picture 6">
             <a:extLst>
               <a:ext uri="{FF2B5EF4-FFF2-40B4-BE49-F238E27FC236}">
-                <a16:creationId xmlns:a16="http://schemas.microsoft.com/office/drawing/2014/main" id="{403D73BF-4BFC-4BA6-8C4B-765A88B52CEC}"/>
+                <a16:creationId xmlns="" xmlns:a16="http://schemas.microsoft.com/office/drawing/2014/main" id="{403D73BF-4BFC-4BA6-8C4B-765A88B52CEC}"/>
               </a:ext>
             </a:extLst>
           </p:cNvPr>
@@ -11887,7 +11889,7 @@
           <p:cNvPr id="2" name="內容版面配置區 1">
             <a:extLst>
               <a:ext uri="{FF2B5EF4-FFF2-40B4-BE49-F238E27FC236}">
-                <a16:creationId xmlns:a16="http://schemas.microsoft.com/office/drawing/2014/main" id="{75CA244B-EB27-42D1-8A65-E6D9D66D209C}"/>
+                <a16:creationId xmlns="" xmlns:a16="http://schemas.microsoft.com/office/drawing/2014/main" id="{75CA244B-EB27-42D1-8A65-E6D9D66D209C}"/>
               </a:ext>
             </a:extLst>
           </p:cNvPr>
@@ -11918,7 +11920,7 @@
           <p:cNvPr id="3" name="投影片編號版面配置區 2">
             <a:extLst>
               <a:ext uri="{FF2B5EF4-FFF2-40B4-BE49-F238E27FC236}">
-                <a16:creationId xmlns:a16="http://schemas.microsoft.com/office/drawing/2014/main" id="{3FC2A568-A8D3-420E-86E6-F1805750CD13}"/>
+                <a16:creationId xmlns="" xmlns:a16="http://schemas.microsoft.com/office/drawing/2014/main" id="{3FC2A568-A8D3-420E-86E6-F1805750CD13}"/>
               </a:ext>
             </a:extLst>
           </p:cNvPr>
@@ -11948,7 +11950,7 @@
           <p:cNvPr id="4" name="標題 3">
             <a:extLst>
               <a:ext uri="{FF2B5EF4-FFF2-40B4-BE49-F238E27FC236}">
-                <a16:creationId xmlns:a16="http://schemas.microsoft.com/office/drawing/2014/main" id="{3ACC29DE-C8B3-4BA9-A302-0F079F4952AA}"/>
+                <a16:creationId xmlns="" xmlns:a16="http://schemas.microsoft.com/office/drawing/2014/main" id="{3ACC29DE-C8B3-4BA9-A302-0F079F4952AA}"/>
               </a:ext>
             </a:extLst>
           </p:cNvPr>
@@ -11981,7 +11983,7 @@
           <p:cNvPr id="21506" name="Picture 2">
             <a:extLst>
               <a:ext uri="{FF2B5EF4-FFF2-40B4-BE49-F238E27FC236}">
-                <a16:creationId xmlns:a16="http://schemas.microsoft.com/office/drawing/2014/main" id="{93702E2B-01AC-4351-B9EC-C847F1548B85}"/>
+                <a16:creationId xmlns="" xmlns:a16="http://schemas.microsoft.com/office/drawing/2014/main" id="{93702E2B-01AC-4351-B9EC-C847F1548B85}"/>
               </a:ext>
             </a:extLst>
           </p:cNvPr>
@@ -12028,7 +12030,7 @@
           <p:cNvPr id="21508" name="Picture 4">
             <a:extLst>
               <a:ext uri="{FF2B5EF4-FFF2-40B4-BE49-F238E27FC236}">
-                <a16:creationId xmlns:a16="http://schemas.microsoft.com/office/drawing/2014/main" id="{B67008EC-0946-44C1-A0D8-D3CDCE140847}"/>
+                <a16:creationId xmlns="" xmlns:a16="http://schemas.microsoft.com/office/drawing/2014/main" id="{B67008EC-0946-44C1-A0D8-D3CDCE140847}"/>
               </a:ext>
             </a:extLst>
           </p:cNvPr>
@@ -12075,7 +12077,7 @@
           <p:cNvPr id="21510" name="Picture 6">
             <a:extLst>
               <a:ext uri="{FF2B5EF4-FFF2-40B4-BE49-F238E27FC236}">
-                <a16:creationId xmlns:a16="http://schemas.microsoft.com/office/drawing/2014/main" id="{B4E46C0C-4072-44D5-B27D-C5F2E8E625F4}"/>
+                <a16:creationId xmlns="" xmlns:a16="http://schemas.microsoft.com/office/drawing/2014/main" id="{B4E46C0C-4072-44D5-B27D-C5F2E8E625F4}"/>
               </a:ext>
             </a:extLst>
           </p:cNvPr>
@@ -12286,7 +12288,7 @@
           <p:cNvPr id="3" name="投影片編號版面配置區 2">
             <a:extLst>
               <a:ext uri="{FF2B5EF4-FFF2-40B4-BE49-F238E27FC236}">
-                <a16:creationId xmlns:a16="http://schemas.microsoft.com/office/drawing/2014/main" id="{278FD496-4DF3-4C10-9C77-61F25C606A93}"/>
+                <a16:creationId xmlns="" xmlns:a16="http://schemas.microsoft.com/office/drawing/2014/main" id="{278FD496-4DF3-4C10-9C77-61F25C606A93}"/>
               </a:ext>
             </a:extLst>
           </p:cNvPr>
@@ -12316,7 +12318,7 @@
           <p:cNvPr id="4" name="標題 3">
             <a:extLst>
               <a:ext uri="{FF2B5EF4-FFF2-40B4-BE49-F238E27FC236}">
-                <a16:creationId xmlns:a16="http://schemas.microsoft.com/office/drawing/2014/main" id="{C8D46416-5CF6-49F2-8FFB-F1A64525BABF}"/>
+                <a16:creationId xmlns="" xmlns:a16="http://schemas.microsoft.com/office/drawing/2014/main" id="{C8D46416-5CF6-49F2-8FFB-F1A64525BABF}"/>
               </a:ext>
             </a:extLst>
           </p:cNvPr>
@@ -12344,7 +12346,7 @@
           <p:cNvPr id="1026" name="Picture 2">
             <a:extLst>
               <a:ext uri="{FF2B5EF4-FFF2-40B4-BE49-F238E27FC236}">
-                <a16:creationId xmlns:a16="http://schemas.microsoft.com/office/drawing/2014/main" id="{8C773068-5191-4AFB-809D-1055BDAC78D9}"/>
+                <a16:creationId xmlns="" xmlns:a16="http://schemas.microsoft.com/office/drawing/2014/main" id="{8C773068-5191-4AFB-809D-1055BDAC78D9}"/>
               </a:ext>
             </a:extLst>
           </p:cNvPr>
@@ -12391,7 +12393,7 @@
           <p:cNvPr id="1030" name="Picture 6">
             <a:extLst>
               <a:ext uri="{FF2B5EF4-FFF2-40B4-BE49-F238E27FC236}">
-                <a16:creationId xmlns:a16="http://schemas.microsoft.com/office/drawing/2014/main" id="{4057FACB-5A52-44E6-AAB6-C47319C6A184}"/>
+                <a16:creationId xmlns="" xmlns:a16="http://schemas.microsoft.com/office/drawing/2014/main" id="{4057FACB-5A52-44E6-AAB6-C47319C6A184}"/>
               </a:ext>
             </a:extLst>
           </p:cNvPr>
@@ -12468,7 +12470,7 @@
           <p:cNvPr id="3" name="投影片編號版面配置區 2">
             <a:extLst>
               <a:ext uri="{FF2B5EF4-FFF2-40B4-BE49-F238E27FC236}">
-                <a16:creationId xmlns:a16="http://schemas.microsoft.com/office/drawing/2014/main" id="{FB9DB402-BE56-4069-8778-9685822DCFA8}"/>
+                <a16:creationId xmlns="" xmlns:a16="http://schemas.microsoft.com/office/drawing/2014/main" id="{FB9DB402-BE56-4069-8778-9685822DCFA8}"/>
               </a:ext>
             </a:extLst>
           </p:cNvPr>
@@ -12498,7 +12500,7 @@
           <p:cNvPr id="4" name="標題 3">
             <a:extLst>
               <a:ext uri="{FF2B5EF4-FFF2-40B4-BE49-F238E27FC236}">
-                <a16:creationId xmlns:a16="http://schemas.microsoft.com/office/drawing/2014/main" id="{D1AB5A42-7131-48B8-923F-7A12C7269138}"/>
+                <a16:creationId xmlns="" xmlns:a16="http://schemas.microsoft.com/office/drawing/2014/main" id="{D1AB5A42-7131-48B8-923F-7A12C7269138}"/>
               </a:ext>
             </a:extLst>
           </p:cNvPr>
@@ -12527,7 +12529,7 @@
           <p:cNvPr id="5" name="圖片 4">
             <a:extLst>
               <a:ext uri="{FF2B5EF4-FFF2-40B4-BE49-F238E27FC236}">
-                <a16:creationId xmlns:a16="http://schemas.microsoft.com/office/drawing/2014/main" id="{05A385C9-1602-4896-8F86-9259ADCE79C1}"/>
+                <a16:creationId xmlns="" xmlns:a16="http://schemas.microsoft.com/office/drawing/2014/main" id="{05A385C9-1602-4896-8F86-9259ADCE79C1}"/>
               </a:ext>
             </a:extLst>
           </p:cNvPr>
@@ -12557,7 +12559,7 @@
           <p:cNvPr id="2050" name="Picture 2">
             <a:extLst>
               <a:ext uri="{FF2B5EF4-FFF2-40B4-BE49-F238E27FC236}">
-                <a16:creationId xmlns:a16="http://schemas.microsoft.com/office/drawing/2014/main" id="{DD163C8F-3277-409B-A8CA-D0F4A662CEF1}"/>
+                <a16:creationId xmlns="" xmlns:a16="http://schemas.microsoft.com/office/drawing/2014/main" id="{DD163C8F-3277-409B-A8CA-D0F4A662CEF1}"/>
               </a:ext>
             </a:extLst>
           </p:cNvPr>
@@ -12632,7 +12634,7 @@
           <p:cNvPr id="9" name="內容版面配置區 1">
             <a:extLst>
               <a:ext uri="{FF2B5EF4-FFF2-40B4-BE49-F238E27FC236}">
-                <a16:creationId xmlns:a16="http://schemas.microsoft.com/office/drawing/2014/main" id="{55C60441-320B-4CA1-A8EF-74A2E051D010}"/>
+                <a16:creationId xmlns="" xmlns:a16="http://schemas.microsoft.com/office/drawing/2014/main" id="{55C60441-320B-4CA1-A8EF-74A2E051D010}"/>
               </a:ext>
             </a:extLst>
           </p:cNvPr>
@@ -12666,7 +12668,7 @@
           <p:cNvPr id="3" name="投影片編號版面配置區 2">
             <a:extLst>
               <a:ext uri="{FF2B5EF4-FFF2-40B4-BE49-F238E27FC236}">
-                <a16:creationId xmlns:a16="http://schemas.microsoft.com/office/drawing/2014/main" id="{9833F6FA-61A0-4FFD-AA22-8C38103C746D}"/>
+                <a16:creationId xmlns="" xmlns:a16="http://schemas.microsoft.com/office/drawing/2014/main" id="{9833F6FA-61A0-4FFD-AA22-8C38103C746D}"/>
               </a:ext>
             </a:extLst>
           </p:cNvPr>
@@ -12696,7 +12698,7 @@
           <p:cNvPr id="4" name="標題 3">
             <a:extLst>
               <a:ext uri="{FF2B5EF4-FFF2-40B4-BE49-F238E27FC236}">
-                <a16:creationId xmlns:a16="http://schemas.microsoft.com/office/drawing/2014/main" id="{FCD19E0D-7905-4B54-8B38-F3EB6C90542A}"/>
+                <a16:creationId xmlns="" xmlns:a16="http://schemas.microsoft.com/office/drawing/2014/main" id="{FCD19E0D-7905-4B54-8B38-F3EB6C90542A}"/>
               </a:ext>
             </a:extLst>
           </p:cNvPr>
@@ -12724,7 +12726,7 @@
           <p:cNvPr id="8" name="圖片 7">
             <a:extLst>
               <a:ext uri="{FF2B5EF4-FFF2-40B4-BE49-F238E27FC236}">
-                <a16:creationId xmlns:a16="http://schemas.microsoft.com/office/drawing/2014/main" id="{2418FFFE-FA7D-4387-9051-430543A1BFD0}"/>
+                <a16:creationId xmlns="" xmlns:a16="http://schemas.microsoft.com/office/drawing/2014/main" id="{2418FFFE-FA7D-4387-9051-430543A1BFD0}"/>
               </a:ext>
             </a:extLst>
           </p:cNvPr>
@@ -12790,7 +12792,7 @@
           <p:cNvPr id="9" name="內容版面配置區 1">
             <a:extLst>
               <a:ext uri="{FF2B5EF4-FFF2-40B4-BE49-F238E27FC236}">
-                <a16:creationId xmlns:a16="http://schemas.microsoft.com/office/drawing/2014/main" id="{55C60441-320B-4CA1-A8EF-74A2E051D010}"/>
+                <a16:creationId xmlns="" xmlns:a16="http://schemas.microsoft.com/office/drawing/2014/main" id="{55C60441-320B-4CA1-A8EF-74A2E051D010}"/>
               </a:ext>
             </a:extLst>
           </p:cNvPr>
@@ -12838,7 +12840,7 @@
           <p:cNvPr id="3" name="投影片編號版面配置區 2">
             <a:extLst>
               <a:ext uri="{FF2B5EF4-FFF2-40B4-BE49-F238E27FC236}">
-                <a16:creationId xmlns:a16="http://schemas.microsoft.com/office/drawing/2014/main" id="{9833F6FA-61A0-4FFD-AA22-8C38103C746D}"/>
+                <a16:creationId xmlns="" xmlns:a16="http://schemas.microsoft.com/office/drawing/2014/main" id="{9833F6FA-61A0-4FFD-AA22-8C38103C746D}"/>
               </a:ext>
             </a:extLst>
           </p:cNvPr>
@@ -12868,7 +12870,7 @@
           <p:cNvPr id="4" name="標題 3">
             <a:extLst>
               <a:ext uri="{FF2B5EF4-FFF2-40B4-BE49-F238E27FC236}">
-                <a16:creationId xmlns:a16="http://schemas.microsoft.com/office/drawing/2014/main" id="{FCD19E0D-7905-4B54-8B38-F3EB6C90542A}"/>
+                <a16:creationId xmlns="" xmlns:a16="http://schemas.microsoft.com/office/drawing/2014/main" id="{FCD19E0D-7905-4B54-8B38-F3EB6C90542A}"/>
               </a:ext>
             </a:extLst>
           </p:cNvPr>
@@ -12896,7 +12898,7 @@
           <p:cNvPr id="7" name="Picture 2">
             <a:extLst>
               <a:ext uri="{FF2B5EF4-FFF2-40B4-BE49-F238E27FC236}">
-                <a16:creationId xmlns:a16="http://schemas.microsoft.com/office/drawing/2014/main" id="{58794784-1727-42B5-BFDC-07E982505F7B}"/>
+                <a16:creationId xmlns="" xmlns:a16="http://schemas.microsoft.com/office/drawing/2014/main" id="{58794784-1727-42B5-BFDC-07E982505F7B}"/>
               </a:ext>
             </a:extLst>
           </p:cNvPr>
@@ -12943,7 +12945,7 @@
           <p:cNvPr id="10" name="Picture 4">
             <a:extLst>
               <a:ext uri="{FF2B5EF4-FFF2-40B4-BE49-F238E27FC236}">
-                <a16:creationId xmlns:a16="http://schemas.microsoft.com/office/drawing/2014/main" id="{8C106F9A-8B33-4E8C-ACAD-B7989F040B11}"/>
+                <a16:creationId xmlns="" xmlns:a16="http://schemas.microsoft.com/office/drawing/2014/main" id="{8C106F9A-8B33-4E8C-ACAD-B7989F040B11}"/>
               </a:ext>
             </a:extLst>
           </p:cNvPr>
@@ -12990,7 +12992,7 @@
           <p:cNvPr id="2" name="圖片 1">
             <a:extLst>
               <a:ext uri="{FF2B5EF4-FFF2-40B4-BE49-F238E27FC236}">
-                <a16:creationId xmlns:a16="http://schemas.microsoft.com/office/drawing/2014/main" id="{2838B8F4-CAF6-4E31-BFE7-DB77DD5D64A5}"/>
+                <a16:creationId xmlns="" xmlns:a16="http://schemas.microsoft.com/office/drawing/2014/main" id="{2838B8F4-CAF6-4E31-BFE7-DB77DD5D64A5}"/>
               </a:ext>
             </a:extLst>
           </p:cNvPr>
@@ -13045,14 +13047,14 @@
           <a:chExt cx="0" cy="0"/>
         </a:xfrm>
       </p:grpSpPr>
-      <mc:AlternateContent xmlns:mc="http://schemas.openxmlformats.org/markup-compatibility/2006">
-        <mc:Choice xmlns:a14="http://schemas.microsoft.com/office/drawing/2010/main" Requires="a14">
+      <mc:AlternateContent xmlns:mc="http://schemas.openxmlformats.org/markup-compatibility/2006" xmlns:a14="http://schemas.microsoft.com/office/drawing/2010/main">
+        <mc:Choice Requires="a14">
           <p:sp>
             <p:nvSpPr>
               <p:cNvPr id="2" name="內容版面配置區 1">
                 <a:extLst>
                   <a:ext uri="{FF2B5EF4-FFF2-40B4-BE49-F238E27FC236}">
-                    <a16:creationId xmlns:a16="http://schemas.microsoft.com/office/drawing/2014/main" id="{1B55A381-9E49-4564-B076-BEF72C4D6E26}"/>
+                    <a16:creationId xmlns="" xmlns:a16="http://schemas.microsoft.com/office/drawing/2014/main" id="{1B55A381-9E49-4564-B076-BEF72C4D6E26}"/>
                   </a:ext>
                 </a:extLst>
               </p:cNvPr>
@@ -13378,7 +13380,7 @@
                       <m:fPr>
                         <m:ctrlPr>
                           <a:rPr lang="en-US" altLang="zh-TW" i="1" smtClean="0">
-                            <a:latin typeface="Cambria Math" panose="02040503050406030204" pitchFamily="18" charset="0"/>
+                            <a:latin typeface="Cambria Math"/>
                           </a:rPr>
                         </m:ctrlPr>
                       </m:fPr>
@@ -13432,7 +13434,7 @@
                       <m:fPr>
                         <m:ctrlPr>
                           <a:rPr lang="en-US" altLang="zh-TW" i="1" smtClean="0">
-                            <a:latin typeface="Cambria Math" panose="02040503050406030204" pitchFamily="18" charset="0"/>
+                            <a:latin typeface="Cambria Math"/>
                           </a:rPr>
                         </m:ctrlPr>
                       </m:fPr>
@@ -13472,25 +13474,13 @@
                       <a:rPr lang="zh-TW" altLang="en-US" i="1">
                         <a:latin typeface="Cambria Math" panose="02040503050406030204" pitchFamily="18" charset="0"/>
                       </a:rPr>
-                      <m:t> </m:t>
-                    </m:r>
-                    <m:r>
-                      <a:rPr lang="zh-TW" altLang="en-US" i="1">
-                        <a:latin typeface="Cambria Math" panose="02040503050406030204" pitchFamily="18" charset="0"/>
-                      </a:rPr>
-                      <m:t>×</m:t>
-                    </m:r>
-                    <m:r>
-                      <a:rPr lang="zh-TW" altLang="en-US" i="1">
-                        <a:latin typeface="Cambria Math" panose="02040503050406030204" pitchFamily="18" charset="0"/>
-                      </a:rPr>
-                      <m:t> </m:t>
+                      <m:t> × </m:t>
                     </m:r>
                     <m:f>
                       <m:fPr>
                         <m:ctrlPr>
                           <a:rPr lang="en-US" altLang="zh-TW" i="1">
-                            <a:latin typeface="Cambria Math" panose="02040503050406030204" pitchFamily="18" charset="0"/>
+                            <a:latin typeface="Cambria Math"/>
                           </a:rPr>
                         </m:ctrlPr>
                       </m:fPr>
@@ -13542,7 +13532,7 @@
                       <m:fPr>
                         <m:ctrlPr>
                           <a:rPr lang="en-US" altLang="zh-TW" i="1">
-                            <a:latin typeface="Cambria Math" panose="02040503050406030204" pitchFamily="18" charset="0"/>
+                            <a:latin typeface="Cambria Math"/>
                           </a:rPr>
                         </m:ctrlPr>
                       </m:fPr>
@@ -13578,7 +13568,7 @@
             </p:txBody>
           </p:sp>
         </mc:Choice>
-        <mc:Fallback>
+        <mc:Fallback xmlns="">
           <p:sp>
             <p:nvSpPr>
               <p:cNvPr id="2" name="內容版面配置區 1">
@@ -13623,7 +13613,7 @@
           <p:cNvPr id="3" name="投影片編號版面配置區 2">
             <a:extLst>
               <a:ext uri="{FF2B5EF4-FFF2-40B4-BE49-F238E27FC236}">
-                <a16:creationId xmlns:a16="http://schemas.microsoft.com/office/drawing/2014/main" id="{8B0216F6-CFB1-4DA5-875F-BA9AA316A5F8}"/>
+                <a16:creationId xmlns="" xmlns:a16="http://schemas.microsoft.com/office/drawing/2014/main" id="{8B0216F6-CFB1-4DA5-875F-BA9AA316A5F8}"/>
               </a:ext>
             </a:extLst>
           </p:cNvPr>
@@ -13653,7 +13643,7 @@
           <p:cNvPr id="4" name="標題 3">
             <a:extLst>
               <a:ext uri="{FF2B5EF4-FFF2-40B4-BE49-F238E27FC236}">
-                <a16:creationId xmlns:a16="http://schemas.microsoft.com/office/drawing/2014/main" id="{AC0958D5-56B6-4964-95E2-67720E7FBE6A}"/>
+                <a16:creationId xmlns="" xmlns:a16="http://schemas.microsoft.com/office/drawing/2014/main" id="{AC0958D5-56B6-4964-95E2-67720E7FBE6A}"/>
               </a:ext>
             </a:extLst>
           </p:cNvPr>
@@ -13720,7 +13710,7 @@
           <p:cNvPr id="2" name="內容版面配置區 1">
             <a:extLst>
               <a:ext uri="{FF2B5EF4-FFF2-40B4-BE49-F238E27FC236}">
-                <a16:creationId xmlns:a16="http://schemas.microsoft.com/office/drawing/2014/main" id="{1B55A381-9E49-4564-B076-BEF72C4D6E26}"/>
+                <a16:creationId xmlns="" xmlns:a16="http://schemas.microsoft.com/office/drawing/2014/main" id="{1B55A381-9E49-4564-B076-BEF72C4D6E26}"/>
               </a:ext>
             </a:extLst>
           </p:cNvPr>
@@ -14002,7 +13992,7 @@
           <p:cNvPr id="3" name="投影片編號版面配置區 2">
             <a:extLst>
               <a:ext uri="{FF2B5EF4-FFF2-40B4-BE49-F238E27FC236}">
-                <a16:creationId xmlns:a16="http://schemas.microsoft.com/office/drawing/2014/main" id="{8B0216F6-CFB1-4DA5-875F-BA9AA316A5F8}"/>
+                <a16:creationId xmlns="" xmlns:a16="http://schemas.microsoft.com/office/drawing/2014/main" id="{8B0216F6-CFB1-4DA5-875F-BA9AA316A5F8}"/>
               </a:ext>
             </a:extLst>
           </p:cNvPr>
@@ -14032,7 +14022,7 @@
           <p:cNvPr id="4" name="標題 3">
             <a:extLst>
               <a:ext uri="{FF2B5EF4-FFF2-40B4-BE49-F238E27FC236}">
-                <a16:creationId xmlns:a16="http://schemas.microsoft.com/office/drawing/2014/main" id="{AC0958D5-56B6-4964-95E2-67720E7FBE6A}"/>
+                <a16:creationId xmlns="" xmlns:a16="http://schemas.microsoft.com/office/drawing/2014/main" id="{AC0958D5-56B6-4964-95E2-67720E7FBE6A}"/>
               </a:ext>
             </a:extLst>
           </p:cNvPr>
@@ -14329,7 +14319,7 @@
   <a:extraClrSchemeLst/>
   <a:extLst>
     <a:ext uri="{05A4C25C-085E-4340-85A3-A5531E510DB2}">
-      <thm15:themeFamily xmlns:thm15="http://schemas.microsoft.com/office/thememl/2012/main" name="簡報1" id="{9F657D65-ACA1-4C9A-A249-42B91234B9AD}" vid="{DF6CEEC3-935B-462F-971D-61A2C59E3EC3}"/>
+      <thm15:themeFamily xmlns="" xmlns:thm15="http://schemas.microsoft.com/office/thememl/2012/main" name="簡報1" id="{9F657D65-ACA1-4C9A-A249-42B91234B9AD}" vid="{DF6CEEC3-935B-462F-971D-61A2C59E3EC3}"/>
     </a:ext>
   </a:extLst>
 </a:theme>
